--- a/Project3/Project3Slides.pptx
+++ b/Project3/Project3Slides.pptx
@@ -13,8 +13,9 @@
     <p:sldId id="263" r:id="rId7"/>
     <p:sldId id="267" r:id="rId8"/>
     <p:sldId id="264" r:id="rId9"/>
-    <p:sldId id="265" r:id="rId10"/>
-    <p:sldId id="266" r:id="rId11"/>
+    <p:sldId id="268" r:id="rId10"/>
+    <p:sldId id="265" r:id="rId11"/>
+    <p:sldId id="266" r:id="rId12"/>
   </p:sldIdLst>
   <p:sldSz cx="12192000" cy="6858000"/>
   <p:notesSz cx="6858000" cy="9144000"/>
@@ -115,7 +116,7 @@
   </p:defaultTextStyle>
   <p:extLst>
     <p:ext uri="{EFAFB233-063F-42B5-8137-9DF3F51BA10A}">
-      <p15:sldGuideLst xmlns:p15="http://schemas.microsoft.com/office/powerpoint/2012/main" xmlns="">
+      <p15:sldGuideLst xmlns="" xmlns:p15="http://schemas.microsoft.com/office/powerpoint/2012/main">
         <p15:guide id="1" orient="horz" pos="2160">
           <p15:clr>
             <a:srgbClr val="A4A3A4"/>
@@ -3811,7 +3812,7 @@
   </p:txStyles>
   <p:extLst>
     <p:ext uri="{27BBF7A9-308A-43DC-89C8-2F10F3537804}">
-      <p15:sldGuideLst xmlns:p15="http://schemas.microsoft.com/office/powerpoint/2012/main" xmlns=""/>
+      <p15:sldGuideLst xmlns="" xmlns:p15="http://schemas.microsoft.com/office/powerpoint/2012/main"/>
     </p:ext>
   </p:extLst>
 </p:sldMaster>
@@ -3984,936 +3985,6 @@
 </file>
 
 <file path=ppt/slides/slide10.xml><?xml version="1.0" encoding="utf-8"?>
-<p:sld xmlns:a="http://schemas.openxmlformats.org/drawingml/2006/main" xmlns:r="http://schemas.openxmlformats.org/officeDocument/2006/relationships" xmlns:p="http://schemas.openxmlformats.org/presentationml/2006/main">
-  <p:cSld>
-    <p:spTree>
-      <p:nvGrpSpPr>
-        <p:cNvPr id="1" name=""/>
-        <p:cNvGrpSpPr/>
-        <p:nvPr/>
-      </p:nvGrpSpPr>
-      <p:grpSpPr>
-        <a:xfrm>
-          <a:off x="0" y="0"/>
-          <a:ext cx="0" cy="0"/>
-          <a:chOff x="0" y="0"/>
-          <a:chExt cx="0" cy="0"/>
-        </a:xfrm>
-      </p:grpSpPr>
-      <p:sp>
-        <p:nvSpPr>
-          <p:cNvPr id="2" name="Title 1"/>
-          <p:cNvSpPr>
-            <a:spLocks noGrp="1"/>
-          </p:cNvSpPr>
-          <p:nvPr>
-            <p:ph type="title"/>
-          </p:nvPr>
-        </p:nvSpPr>
-        <p:spPr/>
-        <p:txBody>
-          <a:bodyPr/>
-          <a:lstStyle/>
-          <a:p>
-            <a:r>
-              <a:rPr lang="en-US" dirty="0" smtClean="0"/>
-              <a:t>Conclusions</a:t>
-            </a:r>
-            <a:endParaRPr lang="en-US" dirty="0"/>
-          </a:p>
-        </p:txBody>
-      </p:sp>
-      <p:sp>
-        <p:nvSpPr>
-          <p:cNvPr id="3" name="Content Placeholder 2"/>
-          <p:cNvSpPr>
-            <a:spLocks noGrp="1"/>
-          </p:cNvSpPr>
-          <p:nvPr>
-            <p:ph idx="1"/>
-          </p:nvPr>
-        </p:nvSpPr>
-        <p:spPr/>
-        <p:txBody>
-          <a:bodyPr/>
-          <a:lstStyle/>
-          <a:p>
-            <a:endParaRPr lang="en-US"/>
-          </a:p>
-        </p:txBody>
-      </p:sp>
-    </p:spTree>
-    <p:extLst>
-      <p:ext uri="{BB962C8B-B14F-4D97-AF65-F5344CB8AC3E}">
-        <p14:creationId xmlns:p14="http://schemas.microsoft.com/office/powerpoint/2010/main" val="2406474452"/>
-      </p:ext>
-    </p:extLst>
-  </p:cSld>
-  <p:clrMapOvr>
-    <a:masterClrMapping/>
-  </p:clrMapOvr>
-</p:sld>
-</file>
-
-<file path=ppt/slides/slide2.xml><?xml version="1.0" encoding="utf-8"?>
-<p:sld xmlns:a="http://schemas.openxmlformats.org/drawingml/2006/main" xmlns:r="http://schemas.openxmlformats.org/officeDocument/2006/relationships" xmlns:p="http://schemas.openxmlformats.org/presentationml/2006/main">
-  <p:cSld>
-    <p:spTree>
-      <p:nvGrpSpPr>
-        <p:cNvPr id="1" name=""/>
-        <p:cNvGrpSpPr/>
-        <p:nvPr/>
-      </p:nvGrpSpPr>
-      <p:grpSpPr>
-        <a:xfrm>
-          <a:off x="0" y="0"/>
-          <a:ext cx="0" cy="0"/>
-          <a:chOff x="0" y="0"/>
-          <a:chExt cx="0" cy="0"/>
-        </a:xfrm>
-      </p:grpSpPr>
-      <p:sp>
-        <p:nvSpPr>
-          <p:cNvPr id="2" name="Title 1"/>
-          <p:cNvSpPr>
-            <a:spLocks noGrp="1"/>
-          </p:cNvSpPr>
-          <p:nvPr>
-            <p:ph type="title"/>
-          </p:nvPr>
-        </p:nvSpPr>
-        <p:spPr/>
-        <p:txBody>
-          <a:bodyPr/>
-          <a:lstStyle/>
-          <a:p>
-            <a:r>
-              <a:rPr lang="en-US" altLang="zh-CN" dirty="0" smtClean="0"/>
-              <a:t>Introduction</a:t>
-            </a:r>
-            <a:r>
-              <a:rPr lang="zh-CN" altLang="en-US" dirty="0" smtClean="0"/>
-              <a:t> </a:t>
-            </a:r>
-            <a:r>
-              <a:rPr lang="en-US" altLang="zh-CN" dirty="0" smtClean="0"/>
-              <a:t>to</a:t>
-            </a:r>
-            <a:r>
-              <a:rPr lang="zh-CN" altLang="en-US" dirty="0" smtClean="0"/>
-              <a:t> </a:t>
-            </a:r>
-            <a:r>
-              <a:rPr lang="en-US" altLang="zh-CN" dirty="0" smtClean="0"/>
-              <a:t>dataset</a:t>
-            </a:r>
-            <a:r>
-              <a:rPr lang="zh-CN" altLang="en-US" dirty="0" smtClean="0"/>
-              <a:t> </a:t>
-            </a:r>
-            <a:endParaRPr lang="en-US" dirty="0"/>
-          </a:p>
-        </p:txBody>
-      </p:sp>
-      <p:sp>
-        <p:nvSpPr>
-          <p:cNvPr id="3" name="Content Placeholder 2"/>
-          <p:cNvSpPr>
-            <a:spLocks noGrp="1"/>
-          </p:cNvSpPr>
-          <p:nvPr>
-            <p:ph idx="1"/>
-          </p:nvPr>
-        </p:nvSpPr>
-        <p:spPr/>
-        <p:txBody>
-          <a:bodyPr/>
-          <a:lstStyle/>
-          <a:p>
-            <a:r>
-              <a:rPr lang="en-US" sz="2400" dirty="0" smtClean="0"/>
-              <a:t>Car evaluation dataset developed by Marko </a:t>
-            </a:r>
-            <a:r>
-              <a:rPr lang="en-US" sz="2400" dirty="0" err="1" smtClean="0"/>
-              <a:t>Bohanec</a:t>
-            </a:r>
-            <a:r>
-              <a:rPr lang="en-US" sz="2400" dirty="0" smtClean="0"/>
-              <a:t> and </a:t>
-            </a:r>
-            <a:r>
-              <a:rPr lang="en-US" sz="2400" dirty="0" err="1" smtClean="0"/>
-              <a:t>Blaz</a:t>
-            </a:r>
-            <a:r>
-              <a:rPr lang="en-US" sz="2400" dirty="0" smtClean="0"/>
-              <a:t> </a:t>
-            </a:r>
-            <a:r>
-              <a:rPr lang="en-US" sz="2400" dirty="0" err="1" smtClean="0"/>
-              <a:t>Zupan</a:t>
-            </a:r>
-            <a:r>
-              <a:rPr lang="en-US" sz="2400" dirty="0" smtClean="0"/>
-              <a:t> (1997)</a:t>
-            </a:r>
-            <a:endParaRPr lang="en-US" sz="2400" dirty="0" smtClean="0"/>
-          </a:p>
-          <a:p>
-            <a:pPr lvl="1"/>
-            <a:endParaRPr lang="en-US" sz="2000" dirty="0" smtClean="0"/>
-          </a:p>
-          <a:p>
-            <a:pPr lvl="1">
-              <a:buFont typeface="Wingdings" panose="05000000000000000000" pitchFamily="2" charset="2"/>
-              <a:buChar char="Ø"/>
-            </a:pPr>
-            <a:r>
-              <a:rPr lang="en-US" sz="2000" dirty="0" smtClean="0"/>
-              <a:t>~1,728 </a:t>
-            </a:r>
-            <a:r>
-              <a:rPr lang="en-US" sz="2000" dirty="0" smtClean="0"/>
-              <a:t>records. </a:t>
-            </a:r>
-          </a:p>
-          <a:p>
-            <a:pPr lvl="1">
-              <a:buFont typeface="Wingdings" panose="05000000000000000000" pitchFamily="2" charset="2"/>
-              <a:buChar char="Ø"/>
-            </a:pPr>
-            <a:endParaRPr lang="en-US" sz="2000" dirty="0" smtClean="0"/>
-          </a:p>
-          <a:p>
-            <a:pPr lvl="1">
-              <a:buFont typeface="Wingdings" panose="05000000000000000000" pitchFamily="2" charset="2"/>
-              <a:buChar char="Ø"/>
-            </a:pPr>
-            <a:r>
-              <a:rPr lang="en-US" sz="2000" dirty="0" smtClean="0"/>
-              <a:t>Predictors</a:t>
-            </a:r>
-            <a:r>
-              <a:rPr lang="en-US" sz="2000" dirty="0" smtClean="0"/>
-              <a:t>: buying </a:t>
-            </a:r>
-            <a:r>
-              <a:rPr lang="en-US" sz="2000" dirty="0"/>
-              <a:t>price, price of the maintenance, number of doors, capacity in terms of persons to carry, the size of luggage </a:t>
-            </a:r>
-            <a:r>
-              <a:rPr lang="en-US" sz="2000" dirty="0" smtClean="0"/>
-              <a:t>storage</a:t>
-            </a:r>
-            <a:endParaRPr lang="en-US" sz="2000" dirty="0" smtClean="0"/>
-          </a:p>
-          <a:p>
-            <a:pPr lvl="1">
-              <a:buFont typeface="Wingdings" panose="05000000000000000000" pitchFamily="2" charset="2"/>
-              <a:buChar char="Ø"/>
-            </a:pPr>
-            <a:endParaRPr lang="en-US" sz="2000" dirty="0" smtClean="0"/>
-          </a:p>
-          <a:p>
-            <a:pPr lvl="1">
-              <a:buFont typeface="Wingdings" panose="05000000000000000000" pitchFamily="2" charset="2"/>
-              <a:buChar char="Ø"/>
-            </a:pPr>
-            <a:r>
-              <a:rPr lang="en-US" sz="2000" dirty="0" smtClean="0"/>
-              <a:t>Response Variable: </a:t>
-            </a:r>
-            <a:r>
-              <a:rPr lang="en-US" sz="2000" dirty="0" smtClean="0"/>
-              <a:t>2 </a:t>
-            </a:r>
-            <a:r>
-              <a:rPr lang="en-US" sz="2000" dirty="0" smtClean="0"/>
-              <a:t>car </a:t>
-            </a:r>
-            <a:r>
-              <a:rPr lang="en-US" sz="2000" dirty="0" smtClean="0"/>
-              <a:t>classification </a:t>
-            </a:r>
-            <a:r>
-              <a:rPr lang="en-US" sz="2000" dirty="0" smtClean="0"/>
-              <a:t>groups </a:t>
-            </a:r>
-            <a:r>
-              <a:rPr lang="en-US" sz="2000" dirty="0" smtClean="0"/>
-              <a:t>(car condition)</a:t>
-            </a:r>
-            <a:r>
-              <a:rPr lang="en-US" sz="2000" dirty="0"/>
-              <a:t>. </a:t>
-            </a:r>
-          </a:p>
-        </p:txBody>
-      </p:sp>
-    </p:spTree>
-    <p:extLst>
-      <p:ext uri="{BB962C8B-B14F-4D97-AF65-F5344CB8AC3E}">
-        <p14:creationId xmlns:p14="http://schemas.microsoft.com/office/powerpoint/2010/main" val="39831909"/>
-      </p:ext>
-    </p:extLst>
-  </p:cSld>
-  <p:clrMapOvr>
-    <a:masterClrMapping/>
-  </p:clrMapOvr>
-</p:sld>
-</file>
-
-<file path=ppt/slides/slide3.xml><?xml version="1.0" encoding="utf-8"?>
-<p:sld xmlns:a="http://schemas.openxmlformats.org/drawingml/2006/main" xmlns:r="http://schemas.openxmlformats.org/officeDocument/2006/relationships" xmlns:p="http://schemas.openxmlformats.org/presentationml/2006/main">
-  <p:cSld>
-    <p:spTree>
-      <p:nvGrpSpPr>
-        <p:cNvPr id="1" name=""/>
-        <p:cNvGrpSpPr/>
-        <p:nvPr/>
-      </p:nvGrpSpPr>
-      <p:grpSpPr>
-        <a:xfrm>
-          <a:off x="0" y="0"/>
-          <a:ext cx="0" cy="0"/>
-          <a:chOff x="0" y="0"/>
-          <a:chExt cx="0" cy="0"/>
-        </a:xfrm>
-      </p:grpSpPr>
-      <p:sp>
-        <p:nvSpPr>
-          <p:cNvPr id="2" name="Title 1"/>
-          <p:cNvSpPr>
-            <a:spLocks noGrp="1"/>
-          </p:cNvSpPr>
-          <p:nvPr>
-            <p:ph type="title"/>
-          </p:nvPr>
-        </p:nvSpPr>
-        <p:spPr/>
-        <p:txBody>
-          <a:bodyPr/>
-          <a:lstStyle/>
-          <a:p>
-            <a:r>
-              <a:rPr lang="en-US" altLang="zh-CN" dirty="0" smtClean="0"/>
-              <a:t>Classification</a:t>
-            </a:r>
-            <a:r>
-              <a:rPr lang="zh-CN" altLang="en-US" dirty="0" smtClean="0"/>
-              <a:t> </a:t>
-            </a:r>
-            <a:r>
-              <a:rPr lang="en-US" altLang="zh-CN" dirty="0" smtClean="0"/>
-              <a:t>Methodology</a:t>
-            </a:r>
-            <a:r>
-              <a:rPr lang="zh-CN" altLang="en-US" dirty="0" smtClean="0"/>
-              <a:t> </a:t>
-            </a:r>
-            <a:endParaRPr lang="en-US" dirty="0"/>
-          </a:p>
-        </p:txBody>
-      </p:sp>
-      <p:sp>
-        <p:nvSpPr>
-          <p:cNvPr id="3" name="Content Placeholder 2"/>
-          <p:cNvSpPr>
-            <a:spLocks noGrp="1"/>
-          </p:cNvSpPr>
-          <p:nvPr>
-            <p:ph idx="1"/>
-          </p:nvPr>
-        </p:nvSpPr>
-        <p:spPr>
-          <a:xfrm>
-            <a:off x="1097280" y="2207380"/>
-            <a:ext cx="10058400" cy="4023360"/>
-          </a:xfrm>
-        </p:spPr>
-        <p:txBody>
-          <a:bodyPr>
-            <a:normAutofit/>
-          </a:bodyPr>
-          <a:lstStyle/>
-          <a:p>
-            <a:pPr marL="0" indent="0">
-              <a:buNone/>
-            </a:pPr>
-            <a:r>
-              <a:rPr lang="en-US" altLang="zh-CN" dirty="0" smtClean="0"/>
-              <a:t>Decision Tree </a:t>
-            </a:r>
-            <a:endParaRPr lang="en-US" altLang="zh-CN" dirty="0"/>
-          </a:p>
-          <a:p>
-            <a:r>
-              <a:rPr lang="en-US" altLang="zh-CN" dirty="0" smtClean="0"/>
-              <a:t>Used </a:t>
-            </a:r>
-            <a:r>
-              <a:rPr lang="en-US" altLang="zh-CN" b="1" dirty="0" err="1" smtClean="0"/>
-              <a:t>rpart</a:t>
-            </a:r>
-            <a:r>
-              <a:rPr lang="en-US" altLang="zh-CN" b="1" dirty="0" smtClean="0"/>
-              <a:t> </a:t>
-            </a:r>
-            <a:r>
-              <a:rPr lang="en-US" altLang="zh-CN" dirty="0" smtClean="0"/>
-              <a:t>package in R </a:t>
-            </a:r>
-            <a:r>
-              <a:rPr lang="en-US" altLang="zh-CN" dirty="0"/>
-              <a:t>to </a:t>
-            </a:r>
-          </a:p>
-          <a:p>
-            <a:r>
-              <a:rPr lang="en-US" dirty="0" smtClean="0"/>
-              <a:t>1. Build the tree</a:t>
-            </a:r>
-          </a:p>
-          <a:p>
-            <a:pPr lvl="1"/>
-            <a:r>
-              <a:rPr lang="en-US" dirty="0" smtClean="0"/>
-              <a:t>- Splitting Criteria</a:t>
-            </a:r>
-          </a:p>
-          <a:p>
-            <a:pPr lvl="1"/>
-            <a:r>
-              <a:rPr lang="en-US" dirty="0" smtClean="0"/>
-              <a:t>- Stopping Criteria</a:t>
-            </a:r>
-          </a:p>
-          <a:p>
-            <a:r>
-              <a:rPr lang="en-US" dirty="0" smtClean="0"/>
-              <a:t>2. Prune the tree</a:t>
-            </a:r>
-            <a:endParaRPr lang="en-US" dirty="0"/>
-          </a:p>
-          <a:p>
-            <a:pPr lvl="1"/>
-            <a:r>
-              <a:rPr lang="en-US" dirty="0" smtClean="0"/>
-              <a:t>- Cross-validation</a:t>
-            </a:r>
-          </a:p>
-        </p:txBody>
-      </p:sp>
-      <p:sp>
-        <p:nvSpPr>
-          <p:cNvPr id="4" name="Right Brace 3"/>
-          <p:cNvSpPr/>
-          <p:nvPr/>
-        </p:nvSpPr>
-        <p:spPr>
-          <a:xfrm>
-            <a:off x="5631264" y="2207380"/>
-            <a:ext cx="118183" cy="2710984"/>
-          </a:xfrm>
-          <a:prstGeom prst="rightBrace">
-            <a:avLst/>
-          </a:prstGeom>
-          <a:ln>
-            <a:solidFill>
-              <a:schemeClr val="tx1"/>
-            </a:solidFill>
-          </a:ln>
-        </p:spPr>
-        <p:style>
-          <a:lnRef idx="1">
-            <a:schemeClr val="accent1"/>
-          </a:lnRef>
-          <a:fillRef idx="0">
-            <a:schemeClr val="accent1"/>
-          </a:fillRef>
-          <a:effectRef idx="0">
-            <a:schemeClr val="accent1"/>
-          </a:effectRef>
-          <a:fontRef idx="minor">
-            <a:schemeClr val="tx1"/>
-          </a:fontRef>
-        </p:style>
-        <p:txBody>
-          <a:bodyPr rtlCol="0" anchor="ctr"/>
-          <a:lstStyle/>
-          <a:p>
-            <a:pPr algn="ctr"/>
-            <a:endParaRPr lang="en-US"/>
-          </a:p>
-        </p:txBody>
-      </p:sp>
-      <p:sp>
-        <p:nvSpPr>
-          <p:cNvPr id="5" name="TextBox 4"/>
-          <p:cNvSpPr txBox="1"/>
-          <p:nvPr/>
-        </p:nvSpPr>
-        <p:spPr>
-          <a:xfrm>
-            <a:off x="6061166" y="2937671"/>
-            <a:ext cx="3534942" cy="646331"/>
-          </a:xfrm>
-          <a:prstGeom prst="rect">
-            <a:avLst/>
-          </a:prstGeom>
-          <a:noFill/>
-        </p:spPr>
-        <p:txBody>
-          <a:bodyPr wrap="none" rtlCol="0">
-            <a:spAutoFit/>
-          </a:bodyPr>
-          <a:lstStyle/>
-          <a:p>
-            <a:r>
-              <a:rPr lang="en-US" dirty="0" smtClean="0"/>
-              <a:t>Training Data: 80% of entire dataset</a:t>
-            </a:r>
-          </a:p>
-          <a:p>
-            <a:r>
-              <a:rPr lang="en-US" dirty="0" smtClean="0"/>
-              <a:t>Test Data: 20% of entire dataset</a:t>
-            </a:r>
-            <a:endParaRPr lang="en-US" dirty="0"/>
-          </a:p>
-        </p:txBody>
-      </p:sp>
-    </p:spTree>
-    <p:extLst>
-      <p:ext uri="{BB962C8B-B14F-4D97-AF65-F5344CB8AC3E}">
-        <p14:creationId xmlns:p14="http://schemas.microsoft.com/office/powerpoint/2010/main" val="1667360151"/>
-      </p:ext>
-    </p:extLst>
-  </p:cSld>
-  <p:clrMapOvr>
-    <a:masterClrMapping/>
-  </p:clrMapOvr>
-</p:sld>
-</file>
-
-<file path=ppt/slides/slide4.xml><?xml version="1.0" encoding="utf-8"?>
-<p:sld xmlns:a="http://schemas.openxmlformats.org/drawingml/2006/main" xmlns:r="http://schemas.openxmlformats.org/officeDocument/2006/relationships" xmlns:p="http://schemas.openxmlformats.org/presentationml/2006/main">
-  <p:cSld>
-    <p:spTree>
-      <p:nvGrpSpPr>
-        <p:cNvPr id="1" name=""/>
-        <p:cNvGrpSpPr/>
-        <p:nvPr/>
-      </p:nvGrpSpPr>
-      <p:grpSpPr>
-        <a:xfrm>
-          <a:off x="0" y="0"/>
-          <a:ext cx="0" cy="0"/>
-          <a:chOff x="0" y="0"/>
-          <a:chExt cx="0" cy="0"/>
-        </a:xfrm>
-      </p:grpSpPr>
-      <p:sp>
-        <p:nvSpPr>
-          <p:cNvPr id="2" name="Title 1"/>
-          <p:cNvSpPr>
-            <a:spLocks noGrp="1"/>
-          </p:cNvSpPr>
-          <p:nvPr>
-            <p:ph type="title"/>
-          </p:nvPr>
-        </p:nvSpPr>
-        <p:spPr>
-          <a:xfrm>
-            <a:off x="1097280" y="286603"/>
-            <a:ext cx="6268720" cy="1029579"/>
-          </a:xfrm>
-        </p:spPr>
-        <p:txBody>
-          <a:bodyPr/>
-          <a:lstStyle/>
-          <a:p>
-            <a:r>
-              <a:rPr lang="en-US" dirty="0" smtClean="0"/>
-              <a:t>Exploratory Data Analysis</a:t>
-            </a:r>
-            <a:endParaRPr lang="en-US" dirty="0"/>
-          </a:p>
-        </p:txBody>
-      </p:sp>
-      <p:pic>
-        <p:nvPicPr>
-          <p:cNvPr id="4" name="Picture 3"/>
-          <p:cNvPicPr>
-            <a:picLocks noChangeAspect="1"/>
-          </p:cNvPicPr>
-          <p:nvPr/>
-        </p:nvPicPr>
-        <p:blipFill>
-          <a:blip r:embed="rId2"/>
-          <a:stretch>
-            <a:fillRect/>
-          </a:stretch>
-        </p:blipFill>
-        <p:spPr>
-          <a:xfrm>
-            <a:off x="3773054" y="1772949"/>
-            <a:ext cx="7185891" cy="4435042"/>
-          </a:xfrm>
-          <a:prstGeom prst="rect">
-            <a:avLst/>
-          </a:prstGeom>
-        </p:spPr>
-      </p:pic>
-    </p:spTree>
-    <p:extLst>
-      <p:ext uri="{BB962C8B-B14F-4D97-AF65-F5344CB8AC3E}">
-        <p14:creationId xmlns:p14="http://schemas.microsoft.com/office/powerpoint/2010/main" val="1544856639"/>
-      </p:ext>
-    </p:extLst>
-  </p:cSld>
-  <p:clrMapOvr>
-    <a:masterClrMapping/>
-  </p:clrMapOvr>
-</p:sld>
-</file>
-
-<file path=ppt/slides/slide5.xml><?xml version="1.0" encoding="utf-8"?>
-<p:sld xmlns:a="http://schemas.openxmlformats.org/drawingml/2006/main" xmlns:r="http://schemas.openxmlformats.org/officeDocument/2006/relationships" xmlns:p="http://schemas.openxmlformats.org/presentationml/2006/main">
-  <p:cSld>
-    <p:spTree>
-      <p:nvGrpSpPr>
-        <p:cNvPr id="1" name=""/>
-        <p:cNvGrpSpPr/>
-        <p:nvPr/>
-      </p:nvGrpSpPr>
-      <p:grpSpPr>
-        <a:xfrm>
-          <a:off x="0" y="0"/>
-          <a:ext cx="0" cy="0"/>
-          <a:chOff x="0" y="0"/>
-          <a:chExt cx="0" cy="0"/>
-        </a:xfrm>
-      </p:grpSpPr>
-      <p:sp>
-        <p:nvSpPr>
-          <p:cNvPr id="2" name="Title 1"/>
-          <p:cNvSpPr>
-            <a:spLocks noGrp="1"/>
-          </p:cNvSpPr>
-          <p:nvPr>
-            <p:ph type="title"/>
-          </p:nvPr>
-        </p:nvSpPr>
-        <p:spPr>
-          <a:xfrm>
-            <a:off x="1097280" y="286603"/>
-            <a:ext cx="6268720" cy="1029579"/>
-          </a:xfrm>
-        </p:spPr>
-        <p:txBody>
-          <a:bodyPr/>
-          <a:lstStyle/>
-          <a:p>
-            <a:r>
-              <a:rPr lang="en-US" dirty="0" smtClean="0"/>
-              <a:t>Exploratory Data Analysis</a:t>
-            </a:r>
-            <a:endParaRPr lang="en-US" dirty="0"/>
-          </a:p>
-        </p:txBody>
-      </p:sp>
-      <p:pic>
-        <p:nvPicPr>
-          <p:cNvPr id="3" name="Picture 2"/>
-          <p:cNvPicPr>
-            <a:picLocks noChangeAspect="1"/>
-          </p:cNvPicPr>
-          <p:nvPr/>
-        </p:nvPicPr>
-        <p:blipFill>
-          <a:blip r:embed="rId2"/>
-          <a:stretch>
-            <a:fillRect/>
-          </a:stretch>
-        </p:blipFill>
-        <p:spPr>
-          <a:xfrm>
-            <a:off x="3767793" y="1772949"/>
-            <a:ext cx="7196413" cy="4441536"/>
-          </a:xfrm>
-          <a:prstGeom prst="rect">
-            <a:avLst/>
-          </a:prstGeom>
-        </p:spPr>
-      </p:pic>
-    </p:spTree>
-    <p:extLst>
-      <p:ext uri="{BB962C8B-B14F-4D97-AF65-F5344CB8AC3E}">
-        <p14:creationId xmlns:p14="http://schemas.microsoft.com/office/powerpoint/2010/main" val="3506841319"/>
-      </p:ext>
-    </p:extLst>
-  </p:cSld>
-  <p:clrMapOvr>
-    <a:masterClrMapping/>
-  </p:clrMapOvr>
-</p:sld>
-</file>
-
-<file path=ppt/slides/slide6.xml><?xml version="1.0" encoding="utf-8"?>
-<p:sld xmlns:a="http://schemas.openxmlformats.org/drawingml/2006/main" xmlns:r="http://schemas.openxmlformats.org/officeDocument/2006/relationships" xmlns:p="http://schemas.openxmlformats.org/presentationml/2006/main">
-  <p:cSld>
-    <p:spTree>
-      <p:nvGrpSpPr>
-        <p:cNvPr id="1" name=""/>
-        <p:cNvGrpSpPr/>
-        <p:nvPr/>
-      </p:nvGrpSpPr>
-      <p:grpSpPr>
-        <a:xfrm>
-          <a:off x="0" y="0"/>
-          <a:ext cx="0" cy="0"/>
-          <a:chOff x="0" y="0"/>
-          <a:chExt cx="0" cy="0"/>
-        </a:xfrm>
-      </p:grpSpPr>
-      <p:sp>
-        <p:nvSpPr>
-          <p:cNvPr id="2" name="Title 1"/>
-          <p:cNvSpPr>
-            <a:spLocks noGrp="1"/>
-          </p:cNvSpPr>
-          <p:nvPr>
-            <p:ph type="title"/>
-          </p:nvPr>
-        </p:nvSpPr>
-        <p:spPr/>
-        <p:txBody>
-          <a:bodyPr/>
-          <a:lstStyle/>
-          <a:p>
-            <a:r>
-              <a:rPr lang="en-US" dirty="0" smtClean="0"/>
-              <a:t>Pseudo-Code</a:t>
-            </a:r>
-            <a:endParaRPr lang="en-US" dirty="0"/>
-          </a:p>
-        </p:txBody>
-      </p:sp>
-      <p:sp>
-        <p:nvSpPr>
-          <p:cNvPr id="3" name="Content Placeholder 2"/>
-          <p:cNvSpPr>
-            <a:spLocks noGrp="1"/>
-          </p:cNvSpPr>
-          <p:nvPr>
-            <p:ph idx="1"/>
-          </p:nvPr>
-        </p:nvSpPr>
-        <p:spPr>
-          <a:xfrm>
-            <a:off x="1097280" y="1845734"/>
-            <a:ext cx="5864629" cy="4023360"/>
-          </a:xfrm>
-        </p:spPr>
-        <p:txBody>
-          <a:bodyPr>
-            <a:normAutofit/>
-          </a:bodyPr>
-          <a:lstStyle/>
-          <a:p>
-            <a:r>
-              <a:rPr lang="en-US" dirty="0"/>
-              <a:t> Each tree is grown as follows</a:t>
-            </a:r>
-            <a:r>
-              <a:rPr lang="en-US" dirty="0" smtClean="0"/>
-              <a:t>:</a:t>
-            </a:r>
-            <a:endParaRPr lang="en-US" dirty="0"/>
-          </a:p>
-          <a:p>
-            <a:r>
-              <a:rPr lang="en-US" dirty="0"/>
-              <a:t>1. A single variable is found which best splits the data into two groups (‘best’ will be defined later). </a:t>
-            </a:r>
-          </a:p>
-          <a:p>
-            <a:r>
-              <a:rPr lang="en-US" dirty="0"/>
-              <a:t>2. The data is separated, and then this process is applied separately to each sub-group. </a:t>
-            </a:r>
-          </a:p>
-          <a:p>
-            <a:r>
-              <a:rPr lang="en-US" dirty="0"/>
-              <a:t>3. Continue recursively until the subgroups either reach a minimum size or until no improvement can be made</a:t>
-            </a:r>
-            <a:r>
-              <a:rPr lang="en-US" dirty="0" smtClean="0"/>
-              <a:t>.</a:t>
-            </a:r>
-            <a:endParaRPr lang="en-US" dirty="0"/>
-          </a:p>
-          <a:p>
-            <a:r>
-              <a:rPr lang="en-US" dirty="0"/>
-              <a:t>4. Pick the tree size that minimizes misclassification rate (i.e. prediction error).</a:t>
-            </a:r>
-          </a:p>
-          <a:p>
-            <a:r>
-              <a:rPr lang="en-US" dirty="0" smtClean="0"/>
-              <a:t>5</a:t>
-            </a:r>
-            <a:r>
-              <a:rPr lang="en-US" dirty="0"/>
-              <a:t>. Prune the tree using the best complexity parameter.</a:t>
-            </a:r>
-          </a:p>
-        </p:txBody>
-      </p:sp>
-    </p:spTree>
-    <p:extLst>
-      <p:ext uri="{BB962C8B-B14F-4D97-AF65-F5344CB8AC3E}">
-        <p14:creationId xmlns:p14="http://schemas.microsoft.com/office/powerpoint/2010/main" val="3191604017"/>
-      </p:ext>
-    </p:extLst>
-  </p:cSld>
-  <p:clrMapOvr>
-    <a:masterClrMapping/>
-  </p:clrMapOvr>
-</p:sld>
-</file>
-
-<file path=ppt/slides/slide7.xml><?xml version="1.0" encoding="utf-8"?>
-<p:sld xmlns:a="http://schemas.openxmlformats.org/drawingml/2006/main" xmlns:r="http://schemas.openxmlformats.org/officeDocument/2006/relationships" xmlns:p="http://schemas.openxmlformats.org/presentationml/2006/main">
-  <p:cSld>
-    <p:spTree>
-      <p:nvGrpSpPr>
-        <p:cNvPr id="1" name=""/>
-        <p:cNvGrpSpPr/>
-        <p:nvPr/>
-      </p:nvGrpSpPr>
-      <p:grpSpPr>
-        <a:xfrm>
-          <a:off x="0" y="0"/>
-          <a:ext cx="0" cy="0"/>
-          <a:chOff x="0" y="0"/>
-          <a:chExt cx="0" cy="0"/>
-        </a:xfrm>
-      </p:grpSpPr>
-      <p:sp>
-        <p:nvSpPr>
-          <p:cNvPr id="2" name="Title 1"/>
-          <p:cNvSpPr>
-            <a:spLocks noGrp="1"/>
-          </p:cNvSpPr>
-          <p:nvPr>
-            <p:ph type="title"/>
-          </p:nvPr>
-        </p:nvSpPr>
-        <p:spPr/>
-        <p:txBody>
-          <a:bodyPr/>
-          <a:lstStyle/>
-          <a:p>
-            <a:r>
-              <a:rPr lang="en-US" dirty="0" smtClean="0"/>
-              <a:t>Complexity Parameter</a:t>
-            </a:r>
-            <a:endParaRPr lang="en-US" dirty="0"/>
-          </a:p>
-        </p:txBody>
-      </p:sp>
-      <p:sp>
-        <p:nvSpPr>
-          <p:cNvPr id="3" name="Content Placeholder 2"/>
-          <p:cNvSpPr>
-            <a:spLocks noGrp="1"/>
-          </p:cNvSpPr>
-          <p:nvPr>
-            <p:ph idx="1"/>
-          </p:nvPr>
-        </p:nvSpPr>
-        <p:spPr/>
-        <p:txBody>
-          <a:bodyPr/>
-          <a:lstStyle/>
-          <a:p>
-            <a:endParaRPr lang="en-US"/>
-          </a:p>
-        </p:txBody>
-      </p:sp>
-    </p:spTree>
-    <p:extLst>
-      <p:ext uri="{BB962C8B-B14F-4D97-AF65-F5344CB8AC3E}">
-        <p14:creationId xmlns:p14="http://schemas.microsoft.com/office/powerpoint/2010/main" val="3393481363"/>
-      </p:ext>
-    </p:extLst>
-  </p:cSld>
-  <p:clrMapOvr>
-    <a:masterClrMapping/>
-  </p:clrMapOvr>
-</p:sld>
-</file>
-
-<file path=ppt/slides/slide8.xml><?xml version="1.0" encoding="utf-8"?>
-<p:sld xmlns:a="http://schemas.openxmlformats.org/drawingml/2006/main" xmlns:r="http://schemas.openxmlformats.org/officeDocument/2006/relationships" xmlns:p="http://schemas.openxmlformats.org/presentationml/2006/main">
-  <p:cSld>
-    <p:spTree>
-      <p:nvGrpSpPr>
-        <p:cNvPr id="1" name=""/>
-        <p:cNvGrpSpPr/>
-        <p:nvPr/>
-      </p:nvGrpSpPr>
-      <p:grpSpPr>
-        <a:xfrm>
-          <a:off x="0" y="0"/>
-          <a:ext cx="0" cy="0"/>
-          <a:chOff x="0" y="0"/>
-          <a:chExt cx="0" cy="0"/>
-        </a:xfrm>
-      </p:grpSpPr>
-      <p:pic>
-        <p:nvPicPr>
-          <p:cNvPr id="5" name="Picture 4"/>
-          <p:cNvPicPr>
-            <a:picLocks noChangeAspect="1"/>
-          </p:cNvPicPr>
-          <p:nvPr/>
-        </p:nvPicPr>
-        <p:blipFill>
-          <a:blip r:embed="rId2"/>
-          <a:stretch>
-            <a:fillRect/>
-          </a:stretch>
-        </p:blipFill>
-        <p:spPr>
-          <a:xfrm>
-            <a:off x="1219200" y="211282"/>
-            <a:ext cx="9753600" cy="6019800"/>
-          </a:xfrm>
-          <a:prstGeom prst="rect">
-            <a:avLst/>
-          </a:prstGeom>
-        </p:spPr>
-      </p:pic>
-    </p:spTree>
-    <p:extLst>
-      <p:ext uri="{BB962C8B-B14F-4D97-AF65-F5344CB8AC3E}">
-        <p14:creationId xmlns:p14="http://schemas.microsoft.com/office/powerpoint/2010/main" val="1049082025"/>
-      </p:ext>
-    </p:extLst>
-  </p:cSld>
-  <p:clrMapOvr>
-    <a:masterClrMapping/>
-  </p:clrMapOvr>
-</p:sld>
-</file>
-
-<file path=ppt/slides/slide9.xml><?xml version="1.0" encoding="utf-8"?>
 <p:sld xmlns:a="http://schemas.openxmlformats.org/drawingml/2006/main" xmlns:r="http://schemas.openxmlformats.org/officeDocument/2006/relationships" xmlns:p="http://schemas.openxmlformats.org/presentationml/2006/main">
   <p:cSld>
     <p:spTree>
@@ -5160,6 +4231,1018 @@
     <p:extLst>
       <p:ext uri="{BB962C8B-B14F-4D97-AF65-F5344CB8AC3E}">
         <p14:creationId xmlns:p14="http://schemas.microsoft.com/office/powerpoint/2010/main" val="1795946995"/>
+      </p:ext>
+    </p:extLst>
+  </p:cSld>
+  <p:clrMapOvr>
+    <a:masterClrMapping/>
+  </p:clrMapOvr>
+</p:sld>
+</file>
+
+<file path=ppt/slides/slide11.xml><?xml version="1.0" encoding="utf-8"?>
+<p:sld xmlns:a="http://schemas.openxmlformats.org/drawingml/2006/main" xmlns:r="http://schemas.openxmlformats.org/officeDocument/2006/relationships" xmlns:p="http://schemas.openxmlformats.org/presentationml/2006/main">
+  <p:cSld>
+    <p:spTree>
+      <p:nvGrpSpPr>
+        <p:cNvPr id="1" name=""/>
+        <p:cNvGrpSpPr/>
+        <p:nvPr/>
+      </p:nvGrpSpPr>
+      <p:grpSpPr>
+        <a:xfrm>
+          <a:off x="0" y="0"/>
+          <a:ext cx="0" cy="0"/>
+          <a:chOff x="0" y="0"/>
+          <a:chExt cx="0" cy="0"/>
+        </a:xfrm>
+      </p:grpSpPr>
+      <p:sp>
+        <p:nvSpPr>
+          <p:cNvPr id="2" name="Title 1"/>
+          <p:cNvSpPr>
+            <a:spLocks noGrp="1"/>
+          </p:cNvSpPr>
+          <p:nvPr>
+            <p:ph type="title"/>
+          </p:nvPr>
+        </p:nvSpPr>
+        <p:spPr/>
+        <p:txBody>
+          <a:bodyPr/>
+          <a:lstStyle/>
+          <a:p>
+            <a:r>
+              <a:rPr lang="en-US" dirty="0" smtClean="0"/>
+              <a:t>Conclusions</a:t>
+            </a:r>
+            <a:endParaRPr lang="en-US" dirty="0"/>
+          </a:p>
+        </p:txBody>
+      </p:sp>
+      <p:sp>
+        <p:nvSpPr>
+          <p:cNvPr id="3" name="Content Placeholder 2"/>
+          <p:cNvSpPr>
+            <a:spLocks noGrp="1"/>
+          </p:cNvSpPr>
+          <p:nvPr>
+            <p:ph idx="1"/>
+          </p:nvPr>
+        </p:nvSpPr>
+        <p:spPr/>
+        <p:txBody>
+          <a:bodyPr/>
+          <a:lstStyle/>
+          <a:p>
+            <a:endParaRPr lang="en-US"/>
+          </a:p>
+        </p:txBody>
+      </p:sp>
+    </p:spTree>
+    <p:extLst>
+      <p:ext uri="{BB962C8B-B14F-4D97-AF65-F5344CB8AC3E}">
+        <p14:creationId xmlns:p14="http://schemas.microsoft.com/office/powerpoint/2010/main" val="2406474452"/>
+      </p:ext>
+    </p:extLst>
+  </p:cSld>
+  <p:clrMapOvr>
+    <a:masterClrMapping/>
+  </p:clrMapOvr>
+</p:sld>
+</file>
+
+<file path=ppt/slides/slide2.xml><?xml version="1.0" encoding="utf-8"?>
+<p:sld xmlns:a="http://schemas.openxmlformats.org/drawingml/2006/main" xmlns:r="http://schemas.openxmlformats.org/officeDocument/2006/relationships" xmlns:p="http://schemas.openxmlformats.org/presentationml/2006/main">
+  <p:cSld>
+    <p:spTree>
+      <p:nvGrpSpPr>
+        <p:cNvPr id="1" name=""/>
+        <p:cNvGrpSpPr/>
+        <p:nvPr/>
+      </p:nvGrpSpPr>
+      <p:grpSpPr>
+        <a:xfrm>
+          <a:off x="0" y="0"/>
+          <a:ext cx="0" cy="0"/>
+          <a:chOff x="0" y="0"/>
+          <a:chExt cx="0" cy="0"/>
+        </a:xfrm>
+      </p:grpSpPr>
+      <p:sp>
+        <p:nvSpPr>
+          <p:cNvPr id="2" name="Title 1"/>
+          <p:cNvSpPr>
+            <a:spLocks noGrp="1"/>
+          </p:cNvSpPr>
+          <p:nvPr>
+            <p:ph type="title"/>
+          </p:nvPr>
+        </p:nvSpPr>
+        <p:spPr/>
+        <p:txBody>
+          <a:bodyPr/>
+          <a:lstStyle/>
+          <a:p>
+            <a:r>
+              <a:rPr lang="en-US" altLang="zh-CN" dirty="0" smtClean="0"/>
+              <a:t>Introduction</a:t>
+            </a:r>
+            <a:r>
+              <a:rPr lang="zh-CN" altLang="en-US" dirty="0" smtClean="0"/>
+              <a:t> </a:t>
+            </a:r>
+            <a:r>
+              <a:rPr lang="en-US" altLang="zh-CN" dirty="0" smtClean="0"/>
+              <a:t>to</a:t>
+            </a:r>
+            <a:r>
+              <a:rPr lang="zh-CN" altLang="en-US" dirty="0" smtClean="0"/>
+              <a:t> </a:t>
+            </a:r>
+            <a:r>
+              <a:rPr lang="en-US" altLang="zh-CN" dirty="0" smtClean="0"/>
+              <a:t>dataset</a:t>
+            </a:r>
+            <a:r>
+              <a:rPr lang="zh-CN" altLang="en-US" dirty="0" smtClean="0"/>
+              <a:t> </a:t>
+            </a:r>
+            <a:endParaRPr lang="en-US" dirty="0"/>
+          </a:p>
+        </p:txBody>
+      </p:sp>
+      <p:sp>
+        <p:nvSpPr>
+          <p:cNvPr id="3" name="Content Placeholder 2"/>
+          <p:cNvSpPr>
+            <a:spLocks noGrp="1"/>
+          </p:cNvSpPr>
+          <p:nvPr>
+            <p:ph idx="1"/>
+          </p:nvPr>
+        </p:nvSpPr>
+        <p:spPr/>
+        <p:txBody>
+          <a:bodyPr/>
+          <a:lstStyle/>
+          <a:p>
+            <a:r>
+              <a:rPr lang="en-US" sz="2400" dirty="0" smtClean="0"/>
+              <a:t>Car evaluation dataset developed by Marko </a:t>
+            </a:r>
+            <a:r>
+              <a:rPr lang="en-US" sz="2400" dirty="0" err="1" smtClean="0"/>
+              <a:t>Bohanec</a:t>
+            </a:r>
+            <a:r>
+              <a:rPr lang="en-US" sz="2400" dirty="0" smtClean="0"/>
+              <a:t> and </a:t>
+            </a:r>
+            <a:r>
+              <a:rPr lang="en-US" sz="2400" dirty="0" err="1" smtClean="0"/>
+              <a:t>Blaz</a:t>
+            </a:r>
+            <a:r>
+              <a:rPr lang="en-US" sz="2400" dirty="0" smtClean="0"/>
+              <a:t> </a:t>
+            </a:r>
+            <a:r>
+              <a:rPr lang="en-US" sz="2400" dirty="0" err="1" smtClean="0"/>
+              <a:t>Zupan</a:t>
+            </a:r>
+            <a:r>
+              <a:rPr lang="en-US" sz="2400" dirty="0" smtClean="0"/>
+              <a:t> (1997)</a:t>
+            </a:r>
+          </a:p>
+          <a:p>
+            <a:pPr lvl="1"/>
+            <a:endParaRPr lang="en-US" sz="2000" dirty="0" smtClean="0"/>
+          </a:p>
+          <a:p>
+            <a:pPr lvl="1">
+              <a:buFont typeface="Wingdings" panose="05000000000000000000" pitchFamily="2" charset="2"/>
+              <a:buChar char="Ø"/>
+            </a:pPr>
+            <a:r>
+              <a:rPr lang="en-US" sz="2000" dirty="0" smtClean="0"/>
+              <a:t>~1,728 records. </a:t>
+            </a:r>
+          </a:p>
+          <a:p>
+            <a:pPr lvl="1">
+              <a:buFont typeface="Wingdings" panose="05000000000000000000" pitchFamily="2" charset="2"/>
+              <a:buChar char="Ø"/>
+            </a:pPr>
+            <a:endParaRPr lang="en-US" sz="2000" dirty="0" smtClean="0"/>
+          </a:p>
+          <a:p>
+            <a:pPr lvl="1">
+              <a:buFont typeface="Wingdings" panose="05000000000000000000" pitchFamily="2" charset="2"/>
+              <a:buChar char="Ø"/>
+            </a:pPr>
+            <a:r>
+              <a:rPr lang="en-US" sz="2000" dirty="0" smtClean="0"/>
+              <a:t>Predictors: buying </a:t>
+            </a:r>
+            <a:r>
+              <a:rPr lang="en-US" sz="2000" dirty="0"/>
+              <a:t>price, price of the maintenance, number of doors, capacity in terms of persons to carry, the size of luggage </a:t>
+            </a:r>
+            <a:r>
+              <a:rPr lang="en-US" sz="2000" dirty="0" smtClean="0"/>
+              <a:t>storage</a:t>
+            </a:r>
+          </a:p>
+          <a:p>
+            <a:pPr lvl="1">
+              <a:buFont typeface="Wingdings" panose="05000000000000000000" pitchFamily="2" charset="2"/>
+              <a:buChar char="Ø"/>
+            </a:pPr>
+            <a:endParaRPr lang="en-US" sz="2000" dirty="0" smtClean="0"/>
+          </a:p>
+          <a:p>
+            <a:pPr lvl="1">
+              <a:buFont typeface="Wingdings" panose="05000000000000000000" pitchFamily="2" charset="2"/>
+              <a:buChar char="Ø"/>
+            </a:pPr>
+            <a:r>
+              <a:rPr lang="en-US" sz="2000" dirty="0" smtClean="0"/>
+              <a:t>Response Variable: 2 car classification groups (car condition)</a:t>
+            </a:r>
+            <a:r>
+              <a:rPr lang="en-US" sz="2000" dirty="0"/>
+              <a:t>. </a:t>
+            </a:r>
+          </a:p>
+        </p:txBody>
+      </p:sp>
+    </p:spTree>
+    <p:extLst>
+      <p:ext uri="{BB962C8B-B14F-4D97-AF65-F5344CB8AC3E}">
+        <p14:creationId xmlns:p14="http://schemas.microsoft.com/office/powerpoint/2010/main" val="39831909"/>
+      </p:ext>
+    </p:extLst>
+  </p:cSld>
+  <p:clrMapOvr>
+    <a:masterClrMapping/>
+  </p:clrMapOvr>
+</p:sld>
+</file>
+
+<file path=ppt/slides/slide3.xml><?xml version="1.0" encoding="utf-8"?>
+<p:sld xmlns:a="http://schemas.openxmlformats.org/drawingml/2006/main" xmlns:r="http://schemas.openxmlformats.org/officeDocument/2006/relationships" xmlns:p="http://schemas.openxmlformats.org/presentationml/2006/main">
+  <p:cSld>
+    <p:spTree>
+      <p:nvGrpSpPr>
+        <p:cNvPr id="1" name=""/>
+        <p:cNvGrpSpPr/>
+        <p:nvPr/>
+      </p:nvGrpSpPr>
+      <p:grpSpPr>
+        <a:xfrm>
+          <a:off x="0" y="0"/>
+          <a:ext cx="0" cy="0"/>
+          <a:chOff x="0" y="0"/>
+          <a:chExt cx="0" cy="0"/>
+        </a:xfrm>
+      </p:grpSpPr>
+      <p:sp>
+        <p:nvSpPr>
+          <p:cNvPr id="2" name="Title 1"/>
+          <p:cNvSpPr>
+            <a:spLocks noGrp="1"/>
+          </p:cNvSpPr>
+          <p:nvPr>
+            <p:ph type="title"/>
+          </p:nvPr>
+        </p:nvSpPr>
+        <p:spPr/>
+        <p:txBody>
+          <a:bodyPr/>
+          <a:lstStyle/>
+          <a:p>
+            <a:r>
+              <a:rPr lang="en-US" altLang="zh-CN" dirty="0" smtClean="0"/>
+              <a:t>Classification</a:t>
+            </a:r>
+            <a:r>
+              <a:rPr lang="zh-CN" altLang="en-US" dirty="0" smtClean="0"/>
+              <a:t> </a:t>
+            </a:r>
+            <a:r>
+              <a:rPr lang="en-US" altLang="zh-CN" dirty="0" smtClean="0"/>
+              <a:t>Methodology</a:t>
+            </a:r>
+            <a:r>
+              <a:rPr lang="zh-CN" altLang="en-US" dirty="0" smtClean="0"/>
+              <a:t> </a:t>
+            </a:r>
+            <a:endParaRPr lang="en-US" dirty="0"/>
+          </a:p>
+        </p:txBody>
+      </p:sp>
+      <p:sp>
+        <p:nvSpPr>
+          <p:cNvPr id="3" name="Content Placeholder 2"/>
+          <p:cNvSpPr>
+            <a:spLocks noGrp="1"/>
+          </p:cNvSpPr>
+          <p:nvPr>
+            <p:ph idx="1"/>
+          </p:nvPr>
+        </p:nvSpPr>
+        <p:spPr>
+          <a:xfrm>
+            <a:off x="1097280" y="2207380"/>
+            <a:ext cx="10058400" cy="4023360"/>
+          </a:xfrm>
+        </p:spPr>
+        <p:txBody>
+          <a:bodyPr>
+            <a:normAutofit/>
+          </a:bodyPr>
+          <a:lstStyle/>
+          <a:p>
+            <a:pPr marL="0" indent="0">
+              <a:buNone/>
+            </a:pPr>
+            <a:r>
+              <a:rPr lang="en-US" altLang="zh-CN" dirty="0" smtClean="0"/>
+              <a:t>Decision Tree </a:t>
+            </a:r>
+            <a:endParaRPr lang="en-US" altLang="zh-CN" dirty="0"/>
+          </a:p>
+          <a:p>
+            <a:r>
+              <a:rPr lang="en-US" altLang="zh-CN" dirty="0" smtClean="0"/>
+              <a:t>Used </a:t>
+            </a:r>
+            <a:r>
+              <a:rPr lang="en-US" altLang="zh-CN" b="1" dirty="0" err="1" smtClean="0"/>
+              <a:t>rpart</a:t>
+            </a:r>
+            <a:r>
+              <a:rPr lang="en-US" altLang="zh-CN" b="1" dirty="0" smtClean="0"/>
+              <a:t> </a:t>
+            </a:r>
+            <a:r>
+              <a:rPr lang="en-US" altLang="zh-CN" dirty="0" smtClean="0"/>
+              <a:t>package in R </a:t>
+            </a:r>
+            <a:r>
+              <a:rPr lang="en-US" altLang="zh-CN" dirty="0"/>
+              <a:t>to </a:t>
+            </a:r>
+          </a:p>
+          <a:p>
+            <a:r>
+              <a:rPr lang="en-US" dirty="0" smtClean="0"/>
+              <a:t>1. Build the tree</a:t>
+            </a:r>
+          </a:p>
+          <a:p>
+            <a:pPr lvl="1"/>
+            <a:r>
+              <a:rPr lang="en-US" dirty="0" smtClean="0"/>
+              <a:t>- Splitting Criteria</a:t>
+            </a:r>
+          </a:p>
+          <a:p>
+            <a:pPr lvl="1"/>
+            <a:r>
+              <a:rPr lang="en-US" dirty="0" smtClean="0"/>
+              <a:t>- Stopping Criteria</a:t>
+            </a:r>
+          </a:p>
+          <a:p>
+            <a:r>
+              <a:rPr lang="en-US" dirty="0" smtClean="0"/>
+              <a:t>2. Prune the tree</a:t>
+            </a:r>
+            <a:endParaRPr lang="en-US" dirty="0"/>
+          </a:p>
+          <a:p>
+            <a:pPr lvl="1"/>
+            <a:r>
+              <a:rPr lang="en-US" dirty="0" smtClean="0"/>
+              <a:t>- Cross-validation</a:t>
+            </a:r>
+          </a:p>
+        </p:txBody>
+      </p:sp>
+      <p:sp>
+        <p:nvSpPr>
+          <p:cNvPr id="4" name="Right Brace 3"/>
+          <p:cNvSpPr/>
+          <p:nvPr/>
+        </p:nvSpPr>
+        <p:spPr>
+          <a:xfrm>
+            <a:off x="5631264" y="2207380"/>
+            <a:ext cx="118183" cy="2710984"/>
+          </a:xfrm>
+          <a:prstGeom prst="rightBrace">
+            <a:avLst/>
+          </a:prstGeom>
+          <a:ln>
+            <a:solidFill>
+              <a:schemeClr val="tx1"/>
+            </a:solidFill>
+          </a:ln>
+        </p:spPr>
+        <p:style>
+          <a:lnRef idx="1">
+            <a:schemeClr val="accent1"/>
+          </a:lnRef>
+          <a:fillRef idx="0">
+            <a:schemeClr val="accent1"/>
+          </a:fillRef>
+          <a:effectRef idx="0">
+            <a:schemeClr val="accent1"/>
+          </a:effectRef>
+          <a:fontRef idx="minor">
+            <a:schemeClr val="tx1"/>
+          </a:fontRef>
+        </p:style>
+        <p:txBody>
+          <a:bodyPr rtlCol="0" anchor="ctr"/>
+          <a:lstStyle/>
+          <a:p>
+            <a:pPr algn="ctr"/>
+            <a:endParaRPr lang="en-US"/>
+          </a:p>
+        </p:txBody>
+      </p:sp>
+      <p:sp>
+        <p:nvSpPr>
+          <p:cNvPr id="5" name="TextBox 4"/>
+          <p:cNvSpPr txBox="1"/>
+          <p:nvPr/>
+        </p:nvSpPr>
+        <p:spPr>
+          <a:xfrm>
+            <a:off x="6061166" y="2937671"/>
+            <a:ext cx="3534942" cy="646331"/>
+          </a:xfrm>
+          <a:prstGeom prst="rect">
+            <a:avLst/>
+          </a:prstGeom>
+          <a:noFill/>
+        </p:spPr>
+        <p:txBody>
+          <a:bodyPr wrap="none" rtlCol="0">
+            <a:spAutoFit/>
+          </a:bodyPr>
+          <a:lstStyle/>
+          <a:p>
+            <a:r>
+              <a:rPr lang="en-US" dirty="0" smtClean="0"/>
+              <a:t>Training Data: 80% of entire dataset</a:t>
+            </a:r>
+          </a:p>
+          <a:p>
+            <a:r>
+              <a:rPr lang="en-US" dirty="0" smtClean="0"/>
+              <a:t>Test Data: 20% of entire dataset</a:t>
+            </a:r>
+            <a:endParaRPr lang="en-US" dirty="0"/>
+          </a:p>
+        </p:txBody>
+      </p:sp>
+    </p:spTree>
+    <p:extLst>
+      <p:ext uri="{BB962C8B-B14F-4D97-AF65-F5344CB8AC3E}">
+        <p14:creationId xmlns:p14="http://schemas.microsoft.com/office/powerpoint/2010/main" val="1667360151"/>
+      </p:ext>
+    </p:extLst>
+  </p:cSld>
+  <p:clrMapOvr>
+    <a:masterClrMapping/>
+  </p:clrMapOvr>
+</p:sld>
+</file>
+
+<file path=ppt/slides/slide4.xml><?xml version="1.0" encoding="utf-8"?>
+<p:sld xmlns:a="http://schemas.openxmlformats.org/drawingml/2006/main" xmlns:r="http://schemas.openxmlformats.org/officeDocument/2006/relationships" xmlns:p="http://schemas.openxmlformats.org/presentationml/2006/main">
+  <p:cSld>
+    <p:spTree>
+      <p:nvGrpSpPr>
+        <p:cNvPr id="1" name=""/>
+        <p:cNvGrpSpPr/>
+        <p:nvPr/>
+      </p:nvGrpSpPr>
+      <p:grpSpPr>
+        <a:xfrm>
+          <a:off x="0" y="0"/>
+          <a:ext cx="0" cy="0"/>
+          <a:chOff x="0" y="0"/>
+          <a:chExt cx="0" cy="0"/>
+        </a:xfrm>
+      </p:grpSpPr>
+      <p:sp>
+        <p:nvSpPr>
+          <p:cNvPr id="2" name="Title 1"/>
+          <p:cNvSpPr>
+            <a:spLocks noGrp="1"/>
+          </p:cNvSpPr>
+          <p:nvPr>
+            <p:ph type="title"/>
+          </p:nvPr>
+        </p:nvSpPr>
+        <p:spPr>
+          <a:xfrm>
+            <a:off x="1097280" y="286603"/>
+            <a:ext cx="6268720" cy="1029579"/>
+          </a:xfrm>
+        </p:spPr>
+        <p:txBody>
+          <a:bodyPr/>
+          <a:lstStyle/>
+          <a:p>
+            <a:r>
+              <a:rPr lang="en-US" dirty="0" smtClean="0"/>
+              <a:t>Exploratory Data Analysis</a:t>
+            </a:r>
+            <a:endParaRPr lang="en-US" dirty="0"/>
+          </a:p>
+        </p:txBody>
+      </p:sp>
+      <p:pic>
+        <p:nvPicPr>
+          <p:cNvPr id="4" name="Picture 3"/>
+          <p:cNvPicPr>
+            <a:picLocks noChangeAspect="1"/>
+          </p:cNvPicPr>
+          <p:nvPr/>
+        </p:nvPicPr>
+        <p:blipFill>
+          <a:blip r:embed="rId2"/>
+          <a:stretch>
+            <a:fillRect/>
+          </a:stretch>
+        </p:blipFill>
+        <p:spPr>
+          <a:xfrm>
+            <a:off x="3773054" y="1772949"/>
+            <a:ext cx="7185891" cy="4435042"/>
+          </a:xfrm>
+          <a:prstGeom prst="rect">
+            <a:avLst/>
+          </a:prstGeom>
+        </p:spPr>
+      </p:pic>
+    </p:spTree>
+    <p:extLst>
+      <p:ext uri="{BB962C8B-B14F-4D97-AF65-F5344CB8AC3E}">
+        <p14:creationId xmlns:p14="http://schemas.microsoft.com/office/powerpoint/2010/main" val="1544856639"/>
+      </p:ext>
+    </p:extLst>
+  </p:cSld>
+  <p:clrMapOvr>
+    <a:masterClrMapping/>
+  </p:clrMapOvr>
+</p:sld>
+</file>
+
+<file path=ppt/slides/slide5.xml><?xml version="1.0" encoding="utf-8"?>
+<p:sld xmlns:a="http://schemas.openxmlformats.org/drawingml/2006/main" xmlns:r="http://schemas.openxmlformats.org/officeDocument/2006/relationships" xmlns:p="http://schemas.openxmlformats.org/presentationml/2006/main">
+  <p:cSld>
+    <p:spTree>
+      <p:nvGrpSpPr>
+        <p:cNvPr id="1" name=""/>
+        <p:cNvGrpSpPr/>
+        <p:nvPr/>
+      </p:nvGrpSpPr>
+      <p:grpSpPr>
+        <a:xfrm>
+          <a:off x="0" y="0"/>
+          <a:ext cx="0" cy="0"/>
+          <a:chOff x="0" y="0"/>
+          <a:chExt cx="0" cy="0"/>
+        </a:xfrm>
+      </p:grpSpPr>
+      <p:sp>
+        <p:nvSpPr>
+          <p:cNvPr id="2" name="Title 1"/>
+          <p:cNvSpPr>
+            <a:spLocks noGrp="1"/>
+          </p:cNvSpPr>
+          <p:nvPr>
+            <p:ph type="title"/>
+          </p:nvPr>
+        </p:nvSpPr>
+        <p:spPr>
+          <a:xfrm>
+            <a:off x="1097280" y="286603"/>
+            <a:ext cx="6268720" cy="1029579"/>
+          </a:xfrm>
+        </p:spPr>
+        <p:txBody>
+          <a:bodyPr/>
+          <a:lstStyle/>
+          <a:p>
+            <a:r>
+              <a:rPr lang="en-US" dirty="0" smtClean="0"/>
+              <a:t>Exploratory Data Analysis</a:t>
+            </a:r>
+            <a:endParaRPr lang="en-US" dirty="0"/>
+          </a:p>
+        </p:txBody>
+      </p:sp>
+      <p:pic>
+        <p:nvPicPr>
+          <p:cNvPr id="3" name="Picture 2"/>
+          <p:cNvPicPr>
+            <a:picLocks noChangeAspect="1"/>
+          </p:cNvPicPr>
+          <p:nvPr/>
+        </p:nvPicPr>
+        <p:blipFill>
+          <a:blip r:embed="rId2"/>
+          <a:stretch>
+            <a:fillRect/>
+          </a:stretch>
+        </p:blipFill>
+        <p:spPr>
+          <a:xfrm>
+            <a:off x="3767793" y="1772949"/>
+            <a:ext cx="7196413" cy="4441536"/>
+          </a:xfrm>
+          <a:prstGeom prst="rect">
+            <a:avLst/>
+          </a:prstGeom>
+        </p:spPr>
+      </p:pic>
+    </p:spTree>
+    <p:extLst>
+      <p:ext uri="{BB962C8B-B14F-4D97-AF65-F5344CB8AC3E}">
+        <p14:creationId xmlns:p14="http://schemas.microsoft.com/office/powerpoint/2010/main" val="3506841319"/>
+      </p:ext>
+    </p:extLst>
+  </p:cSld>
+  <p:clrMapOvr>
+    <a:masterClrMapping/>
+  </p:clrMapOvr>
+</p:sld>
+</file>
+
+<file path=ppt/slides/slide6.xml><?xml version="1.0" encoding="utf-8"?>
+<p:sld xmlns:a="http://schemas.openxmlformats.org/drawingml/2006/main" xmlns:r="http://schemas.openxmlformats.org/officeDocument/2006/relationships" xmlns:p="http://schemas.openxmlformats.org/presentationml/2006/main">
+  <p:cSld>
+    <p:spTree>
+      <p:nvGrpSpPr>
+        <p:cNvPr id="1" name=""/>
+        <p:cNvGrpSpPr/>
+        <p:nvPr/>
+      </p:nvGrpSpPr>
+      <p:grpSpPr>
+        <a:xfrm>
+          <a:off x="0" y="0"/>
+          <a:ext cx="0" cy="0"/>
+          <a:chOff x="0" y="0"/>
+          <a:chExt cx="0" cy="0"/>
+        </a:xfrm>
+      </p:grpSpPr>
+      <p:sp>
+        <p:nvSpPr>
+          <p:cNvPr id="2" name="Title 1"/>
+          <p:cNvSpPr>
+            <a:spLocks noGrp="1"/>
+          </p:cNvSpPr>
+          <p:nvPr>
+            <p:ph type="title"/>
+          </p:nvPr>
+        </p:nvSpPr>
+        <p:spPr/>
+        <p:txBody>
+          <a:bodyPr/>
+          <a:lstStyle/>
+          <a:p>
+            <a:r>
+              <a:rPr lang="en-US" dirty="0" smtClean="0"/>
+              <a:t>Pseudo-Code</a:t>
+            </a:r>
+            <a:endParaRPr lang="en-US" dirty="0"/>
+          </a:p>
+        </p:txBody>
+      </p:sp>
+      <p:sp>
+        <p:nvSpPr>
+          <p:cNvPr id="3" name="Content Placeholder 2"/>
+          <p:cNvSpPr>
+            <a:spLocks noGrp="1"/>
+          </p:cNvSpPr>
+          <p:nvPr>
+            <p:ph idx="1"/>
+          </p:nvPr>
+        </p:nvSpPr>
+        <p:spPr>
+          <a:xfrm>
+            <a:off x="1097280" y="1845734"/>
+            <a:ext cx="5864629" cy="4023360"/>
+          </a:xfrm>
+        </p:spPr>
+        <p:txBody>
+          <a:bodyPr>
+            <a:normAutofit/>
+          </a:bodyPr>
+          <a:lstStyle/>
+          <a:p>
+            <a:r>
+              <a:rPr lang="en-US" dirty="0"/>
+              <a:t> Each tree is grown as follows</a:t>
+            </a:r>
+            <a:r>
+              <a:rPr lang="en-US" dirty="0" smtClean="0"/>
+              <a:t>:</a:t>
+            </a:r>
+            <a:endParaRPr lang="en-US" dirty="0"/>
+          </a:p>
+          <a:p>
+            <a:r>
+              <a:rPr lang="en-US" dirty="0"/>
+              <a:t>1. A single variable is found which best splits the data into two groups (‘best’ will be defined later). </a:t>
+            </a:r>
+          </a:p>
+          <a:p>
+            <a:r>
+              <a:rPr lang="en-US" dirty="0"/>
+              <a:t>2. The data is separated, and then this process is applied separately to each sub-group. </a:t>
+            </a:r>
+          </a:p>
+          <a:p>
+            <a:r>
+              <a:rPr lang="en-US" dirty="0"/>
+              <a:t>3. Continue recursively until the subgroups either reach a minimum size or until no improvement can be made</a:t>
+            </a:r>
+            <a:r>
+              <a:rPr lang="en-US" dirty="0" smtClean="0"/>
+              <a:t>.</a:t>
+            </a:r>
+            <a:endParaRPr lang="en-US" dirty="0"/>
+          </a:p>
+          <a:p>
+            <a:r>
+              <a:rPr lang="en-US" dirty="0"/>
+              <a:t>4. Pick the tree size that minimizes misclassification rate (i.e. prediction error).</a:t>
+            </a:r>
+          </a:p>
+          <a:p>
+            <a:r>
+              <a:rPr lang="en-US" dirty="0" smtClean="0"/>
+              <a:t>5</a:t>
+            </a:r>
+            <a:r>
+              <a:rPr lang="en-US" dirty="0"/>
+              <a:t>. Prune the tree using the best complexity parameter.</a:t>
+            </a:r>
+          </a:p>
+        </p:txBody>
+      </p:sp>
+    </p:spTree>
+    <p:extLst>
+      <p:ext uri="{BB962C8B-B14F-4D97-AF65-F5344CB8AC3E}">
+        <p14:creationId xmlns:p14="http://schemas.microsoft.com/office/powerpoint/2010/main" val="3191604017"/>
+      </p:ext>
+    </p:extLst>
+  </p:cSld>
+  <p:clrMapOvr>
+    <a:masterClrMapping/>
+  </p:clrMapOvr>
+</p:sld>
+</file>
+
+<file path=ppt/slides/slide7.xml><?xml version="1.0" encoding="utf-8"?>
+<p:sld xmlns:a="http://schemas.openxmlformats.org/drawingml/2006/main" xmlns:r="http://schemas.openxmlformats.org/officeDocument/2006/relationships" xmlns:p="http://schemas.openxmlformats.org/presentationml/2006/main">
+  <p:cSld>
+    <p:spTree>
+      <p:nvGrpSpPr>
+        <p:cNvPr id="1" name=""/>
+        <p:cNvGrpSpPr/>
+        <p:nvPr/>
+      </p:nvGrpSpPr>
+      <p:grpSpPr>
+        <a:xfrm>
+          <a:off x="0" y="0"/>
+          <a:ext cx="0" cy="0"/>
+          <a:chOff x="0" y="0"/>
+          <a:chExt cx="0" cy="0"/>
+        </a:xfrm>
+      </p:grpSpPr>
+      <p:sp>
+        <p:nvSpPr>
+          <p:cNvPr id="2" name="Title 1"/>
+          <p:cNvSpPr>
+            <a:spLocks noGrp="1"/>
+          </p:cNvSpPr>
+          <p:nvPr>
+            <p:ph type="title"/>
+          </p:nvPr>
+        </p:nvSpPr>
+        <p:spPr/>
+        <p:txBody>
+          <a:bodyPr/>
+          <a:lstStyle/>
+          <a:p>
+            <a:r>
+              <a:rPr lang="en-US" dirty="0" smtClean="0"/>
+              <a:t>Complexity </a:t>
+            </a:r>
+            <a:r>
+              <a:rPr lang="en-US" dirty="0" smtClean="0"/>
+              <a:t>Parameter (CP)</a:t>
+            </a:r>
+            <a:endParaRPr lang="en-US" dirty="0"/>
+          </a:p>
+        </p:txBody>
+      </p:sp>
+      <p:sp>
+        <p:nvSpPr>
+          <p:cNvPr id="3" name="Content Placeholder 2"/>
+          <p:cNvSpPr>
+            <a:spLocks noGrp="1"/>
+          </p:cNvSpPr>
+          <p:nvPr>
+            <p:ph idx="1"/>
+          </p:nvPr>
+        </p:nvSpPr>
+        <p:spPr/>
+        <p:txBody>
+          <a:bodyPr/>
+          <a:lstStyle/>
+          <a:p>
+            <a:r>
+              <a:rPr lang="en-US" dirty="0" smtClean="0"/>
+              <a:t>CP </a:t>
+            </a:r>
+            <a:r>
+              <a:rPr lang="en-US" dirty="0"/>
+              <a:t>is specified according to the formula </a:t>
+            </a:r>
+            <a:endParaRPr lang="en-US" dirty="0" smtClean="0"/>
+          </a:p>
+          <a:p>
+            <a:pPr algn="ctr"/>
+            <a:endParaRPr lang="en-US" dirty="0"/>
+          </a:p>
+          <a:p>
+            <a:pPr algn="ctr"/>
+            <a:r>
+              <a:rPr lang="en-US" dirty="0" err="1" smtClean="0"/>
+              <a:t>R</a:t>
+            </a:r>
+            <a:r>
+              <a:rPr lang="en-US" baseline="-25000" dirty="0" err="1" smtClean="0"/>
+              <a:t>cp</a:t>
+            </a:r>
+            <a:r>
+              <a:rPr lang="en-US" dirty="0" smtClean="0"/>
+              <a:t>(</a:t>
+            </a:r>
+            <a:r>
+              <a:rPr lang="en-US" dirty="0"/>
+              <a:t>T) ≡ R(T) + </a:t>
+            </a:r>
+            <a:r>
+              <a:rPr lang="en-US" dirty="0" err="1"/>
+              <a:t>cp</a:t>
+            </a:r>
+            <a:r>
+              <a:rPr lang="en-US" dirty="0"/>
+              <a:t> ∗ |T| ∗ R(T</a:t>
+            </a:r>
+            <a:r>
+              <a:rPr lang="en-US" baseline="-25000" dirty="0"/>
+              <a:t>1</a:t>
+            </a:r>
+            <a:r>
+              <a:rPr lang="en-US" dirty="0"/>
+              <a:t>) </a:t>
+            </a:r>
+            <a:endParaRPr lang="en-US" dirty="0"/>
+          </a:p>
+          <a:p>
+            <a:endParaRPr lang="en-US" dirty="0" smtClean="0"/>
+          </a:p>
+          <a:p>
+            <a:endParaRPr lang="en-US" dirty="0"/>
+          </a:p>
+        </p:txBody>
+      </p:sp>
+    </p:spTree>
+    <p:extLst>
+      <p:ext uri="{BB962C8B-B14F-4D97-AF65-F5344CB8AC3E}">
+        <p14:creationId xmlns:p14="http://schemas.microsoft.com/office/powerpoint/2010/main" val="3393481363"/>
+      </p:ext>
+    </p:extLst>
+  </p:cSld>
+  <p:clrMapOvr>
+    <a:masterClrMapping/>
+  </p:clrMapOvr>
+</p:sld>
+</file>
+
+<file path=ppt/slides/slide8.xml><?xml version="1.0" encoding="utf-8"?>
+<p:sld xmlns:a="http://schemas.openxmlformats.org/drawingml/2006/main" xmlns:r="http://schemas.openxmlformats.org/officeDocument/2006/relationships" xmlns:p="http://schemas.openxmlformats.org/presentationml/2006/main">
+  <p:cSld>
+    <p:spTree>
+      <p:nvGrpSpPr>
+        <p:cNvPr id="1" name=""/>
+        <p:cNvGrpSpPr/>
+        <p:nvPr/>
+      </p:nvGrpSpPr>
+      <p:grpSpPr>
+        <a:xfrm>
+          <a:off x="0" y="0"/>
+          <a:ext cx="0" cy="0"/>
+          <a:chOff x="0" y="0"/>
+          <a:chExt cx="0" cy="0"/>
+        </a:xfrm>
+      </p:grpSpPr>
+      <p:pic>
+        <p:nvPicPr>
+          <p:cNvPr id="2" name="Picture 1"/>
+          <p:cNvPicPr>
+            <a:picLocks noChangeAspect="1"/>
+          </p:cNvPicPr>
+          <p:nvPr/>
+        </p:nvPicPr>
+        <p:blipFill>
+          <a:blip r:embed="rId2"/>
+          <a:stretch>
+            <a:fillRect/>
+          </a:stretch>
+        </p:blipFill>
+        <p:spPr>
+          <a:xfrm>
+            <a:off x="1219200" y="0"/>
+            <a:ext cx="9753600" cy="6019800"/>
+          </a:xfrm>
+          <a:prstGeom prst="rect">
+            <a:avLst/>
+          </a:prstGeom>
+        </p:spPr>
+      </p:pic>
+    </p:spTree>
+    <p:extLst>
+      <p:ext uri="{BB962C8B-B14F-4D97-AF65-F5344CB8AC3E}">
+        <p14:creationId xmlns:p14="http://schemas.microsoft.com/office/powerpoint/2010/main" val="1049082025"/>
+      </p:ext>
+    </p:extLst>
+  </p:cSld>
+  <p:clrMapOvr>
+    <a:masterClrMapping/>
+  </p:clrMapOvr>
+</p:sld>
+</file>
+
+<file path=ppt/slides/slide9.xml><?xml version="1.0" encoding="utf-8"?>
+<p:sld xmlns:a="http://schemas.openxmlformats.org/drawingml/2006/main" xmlns:r="http://schemas.openxmlformats.org/officeDocument/2006/relationships" xmlns:p="http://schemas.openxmlformats.org/presentationml/2006/main">
+  <p:cSld>
+    <p:spTree>
+      <p:nvGrpSpPr>
+        <p:cNvPr id="1" name=""/>
+        <p:cNvGrpSpPr/>
+        <p:nvPr/>
+      </p:nvGrpSpPr>
+      <p:grpSpPr>
+        <a:xfrm>
+          <a:off x="0" y="0"/>
+          <a:ext cx="0" cy="0"/>
+          <a:chOff x="0" y="0"/>
+          <a:chExt cx="0" cy="0"/>
+        </a:xfrm>
+      </p:grpSpPr>
+      <p:pic>
+        <p:nvPicPr>
+          <p:cNvPr id="3" name="Picture 2"/>
+          <p:cNvPicPr>
+            <a:picLocks noChangeAspect="1"/>
+          </p:cNvPicPr>
+          <p:nvPr/>
+        </p:nvPicPr>
+        <p:blipFill>
+          <a:blip r:embed="rId2"/>
+          <a:stretch>
+            <a:fillRect/>
+          </a:stretch>
+        </p:blipFill>
+        <p:spPr>
+          <a:xfrm>
+            <a:off x="1219200" y="130463"/>
+            <a:ext cx="9753600" cy="6019800"/>
+          </a:xfrm>
+          <a:prstGeom prst="rect">
+            <a:avLst/>
+          </a:prstGeom>
+        </p:spPr>
+      </p:pic>
+    </p:spTree>
+    <p:extLst>
+      <p:ext uri="{BB962C8B-B14F-4D97-AF65-F5344CB8AC3E}">
+        <p14:creationId xmlns:p14="http://schemas.microsoft.com/office/powerpoint/2010/main" val="894560050"/>
       </p:ext>
     </p:extLst>
   </p:cSld>
@@ -5446,7 +5529,7 @@
   <a:extraClrSchemeLst/>
   <a:extLst>
     <a:ext uri="{05A4C25C-085E-4340-85A3-A5531E510DB2}">
-      <thm15:themeFamily xmlns:thm15="http://schemas.microsoft.com/office/thememl/2012/main" xmlns="" name="Retrospect" id="{5F128B03-DCCA-4EEB-AB3B-CF2899314A46}" vid="{3F1AAB62-24C6-49D2-8E01-B56FAC9A3DCD}"/>
+      <thm15:themeFamily xmlns="" xmlns:thm15="http://schemas.microsoft.com/office/thememl/2012/main" name="Retrospect" id="{5F128B03-DCCA-4EEB-AB3B-CF2899314A46}" vid="{3F1AAB62-24C6-49D2-8E01-B56FAC9A3DCD}"/>
     </a:ext>
   </a:extLst>
 </a:theme>

--- a/Project3/Project3Slides.pptx
+++ b/Project3/Project3Slides.pptx
@@ -14,7 +14,7 @@
     <p:sldId id="267" r:id="rId8"/>
     <p:sldId id="264" r:id="rId9"/>
     <p:sldId id="268" r:id="rId10"/>
-    <p:sldId id="265" r:id="rId11"/>
+    <p:sldId id="269" r:id="rId11"/>
     <p:sldId id="266" r:id="rId12"/>
   </p:sldIdLst>
   <p:sldSz cx="12192000" cy="6858000"/>
@@ -116,7 +116,7 @@
   </p:defaultTextStyle>
   <p:extLst>
     <p:ext uri="{EFAFB233-063F-42B5-8137-9DF3F51BA10A}">
-      <p15:sldGuideLst xmlns="" xmlns:p15="http://schemas.microsoft.com/office/powerpoint/2012/main">
+      <p15:sldGuideLst xmlns:p15="http://schemas.microsoft.com/office/powerpoint/2012/main">
         <p15:guide id="1" orient="horz" pos="2160">
           <p15:clr>
             <a:srgbClr val="A4A3A4"/>
@@ -3812,7 +3812,7 @@
   </p:txStyles>
   <p:extLst>
     <p:ext uri="{27BBF7A9-308A-43DC-89C8-2F10F3537804}">
-      <p15:sldGuideLst xmlns="" xmlns:p15="http://schemas.microsoft.com/office/powerpoint/2012/main"/>
+      <p15:sldGuideLst xmlns:p15="http://schemas.microsoft.com/office/powerpoint/2012/main"/>
     </p:ext>
   </p:extLst>
 </p:sldMaster>
@@ -4013,22 +4013,24 @@
         </p:nvSpPr>
         <p:spPr/>
         <p:txBody>
-          <a:bodyPr/>
-          <a:lstStyle/>
-          <a:p>
-            <a:r>
-              <a:rPr lang="en-US" dirty="0" smtClean="0"/>
+          <a:bodyPr>
+            <a:normAutofit/>
+          </a:bodyPr>
+          <a:lstStyle/>
+          <a:p>
+            <a:r>
+              <a:rPr lang="en-US" sz="4400" dirty="0" smtClean="0"/>
               <a:t>Prediction Results </a:t>
             </a:r>
             <a:r>
-              <a:rPr lang="mr-IN" dirty="0" smtClean="0"/>
+              <a:rPr lang="mr-IN" sz="4400" dirty="0" smtClean="0"/>
               <a:t>–</a:t>
             </a:r>
             <a:r>
-              <a:rPr lang="en-US" dirty="0" smtClean="0"/>
-              <a:t> Testing Data</a:t>
-            </a:r>
-            <a:endParaRPr lang="en-US" dirty="0"/>
+              <a:rPr lang="en-US" sz="4400" dirty="0" smtClean="0"/>
+              <a:t> Training VS. Testing Data</a:t>
+            </a:r>
+            <a:endParaRPr lang="en-US" sz="4400" dirty="0"/>
           </a:p>
         </p:txBody>
       </p:sp>
@@ -4042,14 +4044,14 @@
             <p:ph idx="1"/>
             <p:extLst>
               <p:ext uri="{D42A27DB-BD31-4B8C-83A1-F6EECF244321}">
-                <p14:modId xmlns:p14="http://schemas.microsoft.com/office/powerpoint/2010/main" val="1290054740"/>
+                <p14:modId xmlns:p14="http://schemas.microsoft.com/office/powerpoint/2010/main" val="19986231"/>
               </p:ext>
             </p:extLst>
           </p:nvPr>
         </p:nvGraphicFramePr>
         <p:xfrm>
-          <a:off x="2055091" y="2678545"/>
-          <a:ext cx="6973453" cy="1947786"/>
+          <a:off x="5856791" y="3822510"/>
+          <a:ext cx="6055670" cy="2037964"/>
         </p:xfrm>
         <a:graphic>
           <a:graphicData uri="http://schemas.openxmlformats.org/drawingml/2006/table">
@@ -4058,21 +4060,21 @@
                 <a:tableStyleId>{5C22544A-7EE6-4342-B048-85BDC9FD1C3A}</a:tableStyleId>
               </a:tblPr>
               <a:tblGrid>
-                <a:gridCol w="2775432"/>
-                <a:gridCol w="1862026"/>
-                <a:gridCol w="2335995"/>
+                <a:gridCol w="2410155"/>
+                <a:gridCol w="1616963"/>
+                <a:gridCol w="2028552"/>
               </a:tblGrid>
-              <a:tr h="608406">
+              <a:tr h="636574">
                 <a:tc>
                   <a:txBody>
                     <a:bodyPr/>
                     <a:lstStyle/>
                     <a:p>
                       <a:r>
-                        <a:rPr lang="en-US" sz="2800" dirty="0" smtClean="0"/>
+                        <a:rPr lang="en-US" sz="2400" dirty="0" smtClean="0"/>
                         <a:t>Actual/Predicted</a:t>
                       </a:r>
-                      <a:endParaRPr lang="en-US" sz="2800" dirty="0"/>
+                      <a:endParaRPr lang="en-US" sz="2400" dirty="0"/>
                     </a:p>
                   </a:txBody>
                   <a:tcPr/>
@@ -4083,10 +4085,10 @@
                     <a:lstStyle/>
                     <a:p>
                       <a:r>
-                        <a:rPr lang="en-US" sz="2800" dirty="0" smtClean="0"/>
+                        <a:rPr lang="en-US" sz="2400" dirty="0" smtClean="0"/>
                         <a:t>Acceptable</a:t>
                       </a:r>
-                      <a:endParaRPr lang="en-US" sz="2800" dirty="0"/>
+                      <a:endParaRPr lang="en-US" sz="2400" dirty="0"/>
                     </a:p>
                   </a:txBody>
                   <a:tcPr/>
@@ -4097,23 +4099,23 @@
                     <a:lstStyle/>
                     <a:p>
                       <a:r>
-                        <a:rPr lang="en-US" sz="2800" dirty="0" smtClean="0"/>
+                        <a:rPr lang="en-US" sz="2400" dirty="0" smtClean="0"/>
                         <a:t>Unacceptable</a:t>
                       </a:r>
-                      <a:endParaRPr lang="en-US" sz="2800" dirty="0"/>
+                      <a:endParaRPr lang="en-US" sz="2400" dirty="0"/>
                     </a:p>
                   </a:txBody>
                   <a:tcPr/>
                 </a:tc>
               </a:tr>
-              <a:tr h="730974">
+              <a:tr h="764816">
                 <a:tc>
                   <a:txBody>
                     <a:bodyPr/>
                     <a:lstStyle/>
                     <a:p>
                       <a:r>
-                        <a:rPr lang="en-US" sz="2800" dirty="0" smtClean="0"/>
+                        <a:rPr lang="en-US" sz="2400" dirty="0" smtClean="0"/>
                         <a:t>Acceptable</a:t>
                       </a:r>
                     </a:p>
@@ -4126,10 +4128,10 @@
                     <a:lstStyle/>
                     <a:p>
                       <a:r>
-                        <a:rPr lang="en-US" sz="2800" dirty="0" smtClean="0"/>
+                        <a:rPr lang="en-US" sz="2400" dirty="0" smtClean="0"/>
                         <a:t>91</a:t>
                       </a:r>
-                      <a:endParaRPr lang="en-US" sz="2800" dirty="0"/>
+                      <a:endParaRPr lang="en-US" sz="2400" dirty="0"/>
                     </a:p>
                   </a:txBody>
                   <a:tcPr/>
@@ -4140,26 +4142,26 @@
                     <a:lstStyle/>
                     <a:p>
                       <a:r>
-                        <a:rPr lang="en-US" sz="2800" dirty="0" smtClean="0"/>
+                        <a:rPr lang="en-US" sz="2400" dirty="0" smtClean="0"/>
                         <a:t>12</a:t>
                       </a:r>
-                      <a:endParaRPr lang="en-US" sz="2800" dirty="0"/>
+                      <a:endParaRPr lang="en-US" sz="2400" dirty="0"/>
                     </a:p>
                   </a:txBody>
                   <a:tcPr/>
                 </a:tc>
               </a:tr>
-              <a:tr h="608406">
+              <a:tr h="636574">
                 <a:tc>
                   <a:txBody>
                     <a:bodyPr/>
                     <a:lstStyle/>
                     <a:p>
                       <a:r>
-                        <a:rPr lang="en-US" sz="2800" dirty="0" smtClean="0"/>
+                        <a:rPr lang="en-US" sz="2400" dirty="0" smtClean="0"/>
                         <a:t>Unacceptable</a:t>
                       </a:r>
-                      <a:endParaRPr lang="en-US" sz="2800" dirty="0"/>
+                      <a:endParaRPr lang="en-US" sz="2400" dirty="0"/>
                     </a:p>
                   </a:txBody>
                   <a:tcPr/>
@@ -4170,10 +4172,10 @@
                     <a:lstStyle/>
                     <a:p>
                       <a:r>
-                        <a:rPr lang="en-US" sz="2800" dirty="0" smtClean="0"/>
+                        <a:rPr lang="en-US" sz="2400" dirty="0" smtClean="0"/>
                         <a:t>4</a:t>
                       </a:r>
-                      <a:endParaRPr lang="en-US" sz="2800" dirty="0"/>
+                      <a:endParaRPr lang="en-US" sz="2400" dirty="0"/>
                     </a:p>
                   </a:txBody>
                   <a:tcPr/>
@@ -4184,10 +4186,10 @@
                     <a:lstStyle/>
                     <a:p>
                       <a:r>
-                        <a:rPr lang="en-US" sz="2800" dirty="0" smtClean="0"/>
+                        <a:rPr lang="en-US" sz="2400" dirty="0" smtClean="0"/>
                         <a:t>238</a:t>
                       </a:r>
-                      <a:endParaRPr lang="en-US" sz="2800" dirty="0"/>
+                      <a:endParaRPr lang="en-US" sz="2400" dirty="0"/>
                     </a:p>
                   </a:txBody>
                   <a:tcPr/>
@@ -4205,7 +4207,7 @@
         </p:nvSpPr>
         <p:spPr>
           <a:xfrm>
-            <a:off x="750455" y="5403273"/>
+            <a:off x="654178" y="5910457"/>
             <a:ext cx="10405225" cy="369332"/>
           </a:xfrm>
           <a:prstGeom prst="rect">
@@ -4227,10 +4229,174 @@
           </a:p>
         </p:txBody>
       </p:sp>
+      <p:graphicFrame>
+        <p:nvGraphicFramePr>
+          <p:cNvPr id="5" name="Content Placeholder 3"/>
+          <p:cNvGraphicFramePr>
+            <a:graphicFrameLocks/>
+          </p:cNvGraphicFramePr>
+          <p:nvPr>
+            <p:extLst>
+              <p:ext uri="{D42A27DB-BD31-4B8C-83A1-F6EECF244321}">
+                <p14:modId xmlns:p14="http://schemas.microsoft.com/office/powerpoint/2010/main" val="318422984"/>
+              </p:ext>
+            </p:extLst>
+          </p:nvPr>
+        </p:nvGraphicFramePr>
+        <p:xfrm>
+          <a:off x="291605" y="1851131"/>
+          <a:ext cx="6028172" cy="1806470"/>
+        </p:xfrm>
+        <a:graphic>
+          <a:graphicData uri="http://schemas.openxmlformats.org/drawingml/2006/table">
+            <a:tbl>
+              <a:tblPr firstRow="1" bandRow="1">
+                <a:tableStyleId>{5C22544A-7EE6-4342-B048-85BDC9FD1C3A}</a:tableStyleId>
+              </a:tblPr>
+              <a:tblGrid>
+                <a:gridCol w="2399211"/>
+                <a:gridCol w="1609621"/>
+                <a:gridCol w="2019340"/>
+              </a:tblGrid>
+              <a:tr h="564265">
+                <a:tc>
+                  <a:txBody>
+                    <a:bodyPr/>
+                    <a:lstStyle/>
+                    <a:p>
+                      <a:r>
+                        <a:rPr lang="en-US" sz="2400" dirty="0" smtClean="0"/>
+                        <a:t>Actual/Predicted</a:t>
+                      </a:r>
+                      <a:endParaRPr lang="en-US" sz="2400" dirty="0"/>
+                    </a:p>
+                  </a:txBody>
+                  <a:tcPr anchor="b"/>
+                </a:tc>
+                <a:tc>
+                  <a:txBody>
+                    <a:bodyPr/>
+                    <a:lstStyle/>
+                    <a:p>
+                      <a:r>
+                        <a:rPr lang="en-US" sz="2400" dirty="0" smtClean="0"/>
+                        <a:t>Acceptable</a:t>
+                      </a:r>
+                      <a:endParaRPr lang="en-US" sz="2400" dirty="0"/>
+                    </a:p>
+                  </a:txBody>
+                  <a:tcPr anchor="b"/>
+                </a:tc>
+                <a:tc>
+                  <a:txBody>
+                    <a:bodyPr/>
+                    <a:lstStyle/>
+                    <a:p>
+                      <a:r>
+                        <a:rPr lang="en-US" sz="2400" dirty="0" smtClean="0"/>
+                        <a:t>Unacceptable</a:t>
+                      </a:r>
+                      <a:endParaRPr lang="en-US" sz="2400" dirty="0"/>
+                    </a:p>
+                  </a:txBody>
+                  <a:tcPr anchor="b"/>
+                </a:tc>
+              </a:tr>
+              <a:tr h="677940">
+                <a:tc>
+                  <a:txBody>
+                    <a:bodyPr/>
+                    <a:lstStyle/>
+                    <a:p>
+                      <a:r>
+                        <a:rPr lang="en-US" sz="2400" dirty="0" smtClean="0"/>
+                        <a:t>Acceptable</a:t>
+                      </a:r>
+                    </a:p>
+                  </a:txBody>
+                  <a:tcPr anchor="b"/>
+                </a:tc>
+                <a:tc>
+                  <a:txBody>
+                    <a:bodyPr/>
+                    <a:lstStyle/>
+                    <a:p>
+                      <a:r>
+                        <a:rPr lang="en-US" sz="2400" dirty="0" smtClean="0"/>
+                        <a:t>415</a:t>
+                      </a:r>
+                      <a:endParaRPr lang="en-US" sz="2400" dirty="0"/>
+                    </a:p>
+                  </a:txBody>
+                  <a:tcPr anchor="b"/>
+                </a:tc>
+                <a:tc>
+                  <a:txBody>
+                    <a:bodyPr/>
+                    <a:lstStyle/>
+                    <a:p>
+                      <a:r>
+                        <a:rPr lang="en-US" sz="2400" dirty="0" smtClean="0"/>
+                        <a:t>0</a:t>
+                      </a:r>
+                      <a:endParaRPr lang="en-US" sz="2400" dirty="0"/>
+                    </a:p>
+                  </a:txBody>
+                  <a:tcPr anchor="b"/>
+                </a:tc>
+              </a:tr>
+              <a:tr h="564265">
+                <a:tc>
+                  <a:txBody>
+                    <a:bodyPr/>
+                    <a:lstStyle/>
+                    <a:p>
+                      <a:r>
+                        <a:rPr lang="en-US" sz="2400" dirty="0" smtClean="0"/>
+                        <a:t>Unacceptable</a:t>
+                      </a:r>
+                      <a:endParaRPr lang="en-US" sz="2400" dirty="0"/>
+                    </a:p>
+                  </a:txBody>
+                  <a:tcPr anchor="b"/>
+                </a:tc>
+                <a:tc>
+                  <a:txBody>
+                    <a:bodyPr/>
+                    <a:lstStyle/>
+                    <a:p>
+                      <a:r>
+                        <a:rPr lang="en-US" sz="2400" dirty="0" smtClean="0"/>
+                        <a:t>43</a:t>
+                      </a:r>
+                      <a:endParaRPr lang="en-US" sz="2400" dirty="0"/>
+                    </a:p>
+                  </a:txBody>
+                  <a:tcPr anchor="b"/>
+                </a:tc>
+                <a:tc>
+                  <a:txBody>
+                    <a:bodyPr/>
+                    <a:lstStyle/>
+                    <a:p>
+                      <a:r>
+                        <a:rPr lang="en-US" sz="2400" dirty="0" smtClean="0"/>
+                        <a:t>925</a:t>
+                      </a:r>
+                      <a:endParaRPr lang="en-US" sz="2400" dirty="0"/>
+                    </a:p>
+                  </a:txBody>
+                  <a:tcPr anchor="b"/>
+                </a:tc>
+              </a:tr>
+            </a:tbl>
+          </a:graphicData>
+        </a:graphic>
+      </p:graphicFrame>
     </p:spTree>
     <p:extLst>
       <p:ext uri="{BB962C8B-B14F-4D97-AF65-F5344CB8AC3E}">
-        <p14:creationId xmlns:p14="http://schemas.microsoft.com/office/powerpoint/2010/main" val="1795946995"/>
+        <p14:creationId xmlns:p14="http://schemas.microsoft.com/office/powerpoint/2010/main" val="93953821"/>
       </p:ext>
     </p:extLst>
   </p:cSld>
@@ -4469,12 +4635,13 @@
             </a:pPr>
             <a:r>
               <a:rPr lang="en-US" sz="2000" dirty="0" smtClean="0"/>
-              <a:t>Response Variable: 2 car classification groups (car condition)</a:t>
-            </a:r>
-            <a:r>
-              <a:rPr lang="en-US" sz="2000" dirty="0"/>
-              <a:t>. </a:t>
-            </a:r>
+              <a:t>Response Variable: 2 car classification groups (car condition</a:t>
+            </a:r>
+            <a:r>
+              <a:rPr lang="en-US" sz="2000" dirty="0" smtClean="0"/>
+              <a:t>)- 30% accepted and 70% unaccepted. </a:t>
+            </a:r>
+            <a:endParaRPr lang="en-US" sz="2000" dirty="0"/>
           </a:p>
         </p:txBody>
       </p:sp>
@@ -5048,11 +5215,7 @@
           <a:p>
             <a:r>
               <a:rPr lang="en-US" dirty="0" smtClean="0"/>
-              <a:t>Complexity </a:t>
-            </a:r>
-            <a:r>
-              <a:rPr lang="en-US" dirty="0" smtClean="0"/>
-              <a:t>Parameter (CP)</a:t>
+              <a:t>Complexity Parameter (CP)</a:t>
             </a:r>
             <a:endParaRPr lang="en-US" dirty="0"/>
           </a:p>
@@ -5121,12 +5284,50 @@
               <a:rPr lang="en-US" dirty="0"/>
               <a:t>) </a:t>
             </a:r>
-            <a:endParaRPr lang="en-US" dirty="0"/>
           </a:p>
           <a:p>
             <a:endParaRPr lang="en-US" dirty="0" smtClean="0"/>
           </a:p>
           <a:p>
+            <a:endParaRPr lang="en-US" dirty="0" smtClean="0"/>
+          </a:p>
+          <a:p>
+            <a:r>
+              <a:rPr lang="en-US" b="1" dirty="0" smtClean="0"/>
+              <a:t>Decision Rule</a:t>
+            </a:r>
+            <a:r>
+              <a:rPr lang="en-US" dirty="0" smtClean="0"/>
+              <a:t>: if any split does not increase the overall R</a:t>
+            </a:r>
+            <a:r>
+              <a:rPr lang="en-US" baseline="30000" dirty="0" smtClean="0"/>
+              <a:t>2</a:t>
+            </a:r>
+            <a:r>
+              <a:rPr lang="en-US" dirty="0" smtClean="0"/>
+              <a:t> of the model by at least </a:t>
+            </a:r>
+            <a:r>
+              <a:rPr lang="en-US" b="1" i="1" dirty="0" err="1" smtClean="0">
+                <a:solidFill>
+                  <a:srgbClr val="FF0000"/>
+                </a:solidFill>
+              </a:rPr>
+              <a:t>cp</a:t>
+            </a:r>
+            <a:r>
+              <a:rPr lang="en-US" dirty="0" smtClean="0"/>
+              <a:t> (where R</a:t>
+            </a:r>
+            <a:r>
+              <a:rPr lang="en-US" baseline="30000" dirty="0" smtClean="0"/>
+              <a:t>2</a:t>
+            </a:r>
+            <a:r>
+              <a:rPr lang="en-US" dirty="0" smtClean="0"/>
+              <a:t> is the usual linear-models definition) then that split is decreed to be, a priori, not worth pursuing. </a:t>
+            </a:r>
             <a:endParaRPr lang="en-US" dirty="0"/>
           </a:p>
         </p:txBody>
@@ -5185,6 +5386,74 @@
           </a:prstGeom>
         </p:spPr>
       </p:pic>
+      <p:sp>
+        <p:nvSpPr>
+          <p:cNvPr id="3" name="TextBox 2"/>
+          <p:cNvSpPr txBox="1"/>
+          <p:nvPr/>
+        </p:nvSpPr>
+        <p:spPr>
+          <a:xfrm>
+            <a:off x="421385" y="219919"/>
+            <a:ext cx="3768211" cy="830997"/>
+          </a:xfrm>
+          <a:prstGeom prst="rect">
+            <a:avLst/>
+          </a:prstGeom>
+          <a:noFill/>
+        </p:spPr>
+        <p:txBody>
+          <a:bodyPr wrap="none" rtlCol="0">
+            <a:spAutoFit/>
+          </a:bodyPr>
+          <a:lstStyle/>
+          <a:p>
+            <a:r>
+              <a:rPr lang="en-US" sz="4800" spc="-50" dirty="0">
+                <a:solidFill>
+                  <a:schemeClr val="tx1">
+                    <a:lumMod val="75000"/>
+                    <a:lumOff val="25000"/>
+                  </a:schemeClr>
+                </a:solidFill>
+                <a:latin typeface="+mj-lt"/>
+                <a:ea typeface="+mj-ea"/>
+                <a:cs typeface="+mj-cs"/>
+              </a:rPr>
+              <a:t>Unpruned</a:t>
+            </a:r>
+            <a:r>
+              <a:rPr lang="en-US" sz="2800" dirty="0" smtClean="0"/>
+              <a:t> </a:t>
+            </a:r>
+            <a:r>
+              <a:rPr lang="en-US" sz="4800" spc="-50" dirty="0">
+                <a:solidFill>
+                  <a:schemeClr val="tx1">
+                    <a:lumMod val="75000"/>
+                    <a:lumOff val="25000"/>
+                  </a:schemeClr>
+                </a:solidFill>
+                <a:latin typeface="+mj-lt"/>
+                <a:ea typeface="+mj-ea"/>
+                <a:cs typeface="+mj-cs"/>
+              </a:rPr>
+              <a:t>Tree</a:t>
+            </a:r>
+            <a:endParaRPr lang="en-US" sz="4800" spc="-50" dirty="0">
+              <a:solidFill>
+                <a:schemeClr val="tx1">
+                  <a:lumMod val="75000"/>
+                  <a:lumOff val="25000"/>
+                </a:schemeClr>
+              </a:solidFill>
+              <a:latin typeface="+mj-lt"/>
+              <a:ea typeface="+mj-ea"/>
+              <a:cs typeface="+mj-cs"/>
+            </a:endParaRPr>
+          </a:p>
+        </p:txBody>
+      </p:sp>
     </p:spTree>
     <p:extLst>
       <p:ext uri="{BB962C8B-B14F-4D97-AF65-F5344CB8AC3E}">
@@ -5239,6 +5508,88 @@
           </a:prstGeom>
         </p:spPr>
       </p:pic>
+      <p:sp>
+        <p:nvSpPr>
+          <p:cNvPr id="4" name="TextBox 3"/>
+          <p:cNvSpPr txBox="1"/>
+          <p:nvPr/>
+        </p:nvSpPr>
+        <p:spPr>
+          <a:xfrm>
+            <a:off x="421385" y="219919"/>
+            <a:ext cx="3055773" cy="830997"/>
+          </a:xfrm>
+          <a:prstGeom prst="rect">
+            <a:avLst/>
+          </a:prstGeom>
+          <a:noFill/>
+        </p:spPr>
+        <p:txBody>
+          <a:bodyPr wrap="none" rtlCol="0">
+            <a:spAutoFit/>
+          </a:bodyPr>
+          <a:lstStyle/>
+          <a:p>
+            <a:r>
+              <a:rPr lang="en-US" sz="4800" spc="-50" dirty="0">
+                <a:solidFill>
+                  <a:schemeClr val="tx1">
+                    <a:lumMod val="75000"/>
+                    <a:lumOff val="25000"/>
+                  </a:schemeClr>
+                </a:solidFill>
+                <a:latin typeface="+mj-lt"/>
+                <a:ea typeface="+mj-ea"/>
+                <a:cs typeface="+mj-cs"/>
+              </a:rPr>
+              <a:t>P</a:t>
+            </a:r>
+            <a:r>
+              <a:rPr lang="en-US" sz="4800" spc="-50" dirty="0" smtClean="0">
+                <a:solidFill>
+                  <a:schemeClr val="tx1">
+                    <a:lumMod val="75000"/>
+                    <a:lumOff val="25000"/>
+                  </a:schemeClr>
+                </a:solidFill>
+                <a:latin typeface="+mj-lt"/>
+                <a:ea typeface="+mj-ea"/>
+                <a:cs typeface="+mj-cs"/>
+              </a:rPr>
+              <a:t>runed</a:t>
+            </a:r>
+            <a:r>
+              <a:rPr lang="en-US" sz="2800" dirty="0" smtClean="0"/>
+              <a:t> </a:t>
+            </a:r>
+            <a:r>
+              <a:rPr lang="en-US" sz="4800" spc="-50" dirty="0">
+                <a:solidFill>
+                  <a:schemeClr val="tx1">
+                    <a:lumMod val="75000"/>
+                    <a:lumOff val="25000"/>
+                  </a:schemeClr>
+                </a:solidFill>
+                <a:latin typeface="+mj-lt"/>
+                <a:ea typeface="+mj-ea"/>
+                <a:cs typeface="+mj-cs"/>
+              </a:rPr>
+              <a:t>Tree</a:t>
+            </a:r>
+            <a:endParaRPr lang="en-US" sz="4800" spc="-50" dirty="0">
+              <a:solidFill>
+                <a:schemeClr val="tx1">
+                  <a:lumMod val="75000"/>
+                  <a:lumOff val="25000"/>
+                </a:schemeClr>
+              </a:solidFill>
+              <a:latin typeface="+mj-lt"/>
+              <a:ea typeface="+mj-ea"/>
+              <a:cs typeface="+mj-cs"/>
+            </a:endParaRPr>
+          </a:p>
+        </p:txBody>
+      </p:sp>
     </p:spTree>
     <p:extLst>
       <p:ext uri="{BB962C8B-B14F-4D97-AF65-F5344CB8AC3E}">
@@ -5529,7 +5880,7 @@
   <a:extraClrSchemeLst/>
   <a:extLst>
     <a:ext uri="{05A4C25C-085E-4340-85A3-A5531E510DB2}">
-      <thm15:themeFamily xmlns="" xmlns:thm15="http://schemas.microsoft.com/office/thememl/2012/main" name="Retrospect" id="{5F128B03-DCCA-4EEB-AB3B-CF2899314A46}" vid="{3F1AAB62-24C6-49D2-8E01-B56FAC9A3DCD}"/>
+      <thm15:themeFamily xmlns:thm15="http://schemas.microsoft.com/office/thememl/2012/main" name="Retrospect" id="{5F128B03-DCCA-4EEB-AB3B-CF2899314A46}" vid="{3F1AAB62-24C6-49D2-8E01-B56FAC9A3DCD}"/>
     </a:ext>
   </a:extLst>
 </a:theme>

--- a/Project3/Project3Slides.pptx
+++ b/Project3/Project3Slides.pptx
@@ -4618,8 +4618,9 @@
             </a:r>
             <a:r>
               <a:rPr lang="en-US" sz="2000" dirty="0" smtClean="0"/>
-              <a:t>storage</a:t>
-            </a:r>
+              <a:t>storage, and estimated safety </a:t>
+            </a:r>
+            <a:endParaRPr lang="en-US" sz="2000" dirty="0" smtClean="0"/>
           </a:p>
           <a:p>
             <a:pPr lvl="1">
@@ -4635,11 +4636,7 @@
             </a:pPr>
             <a:r>
               <a:rPr lang="en-US" sz="2000" dirty="0" smtClean="0"/>
-              <a:t>Response Variable: 2 car classification groups (car condition</a:t>
-            </a:r>
-            <a:r>
-              <a:rPr lang="en-US" sz="2000" dirty="0" smtClean="0"/>
-              <a:t>)- 30% accepted and 70% unaccepted. </a:t>
+              <a:t>Response Variable: 2 car classification groups (car condition)- 30% accepted and 70% unaccepted. </a:t>
             </a:r>
             <a:endParaRPr lang="en-US" sz="2000" dirty="0"/>
           </a:p>
@@ -5107,7 +5104,7 @@
         </p:nvSpPr>
         <p:spPr>
           <a:xfrm>
-            <a:off x="1097280" y="1845734"/>
+            <a:off x="1097280" y="1868882"/>
             <a:ext cx="5864629" cy="4023360"/>
           </a:xfrm>
         </p:spPr>
@@ -5130,8 +5127,13 @@
           <a:p>
             <a:r>
               <a:rPr lang="en-US" dirty="0"/>
-              <a:t>1. A single variable is found which best splits the data into two groups (‘best’ will be defined later). </a:t>
-            </a:r>
+              <a:t>1. A single variable is found which best splits the data into two </a:t>
+            </a:r>
+            <a:r>
+              <a:rPr lang="en-US" dirty="0" smtClean="0"/>
+              <a:t>groups.</a:t>
+            </a:r>
+            <a:endParaRPr lang="en-US" dirty="0"/>
           </a:p>
           <a:p>
             <a:r>
@@ -5153,8 +5155,17 @@
           <a:p>
             <a:r>
               <a:rPr lang="en-US" dirty="0"/>
-              <a:t>4. Pick the tree size that minimizes misclassification rate (i.e. prediction error).</a:t>
-            </a:r>
+              <a:t>4. Pick the tree size that minimizes misclassification rate (i.e. prediction </a:t>
+            </a:r>
+            <a:r>
+              <a:rPr lang="en-US" dirty="0" smtClean="0"/>
+              <a:t>error</a:t>
+            </a:r>
+            <a:r>
+              <a:rPr lang="en-US" dirty="0" smtClean="0"/>
+              <a:t>).</a:t>
+            </a:r>
+            <a:endParaRPr lang="en-US" dirty="0"/>
           </a:p>
           <a:p>
             <a:r>
@@ -5440,17 +5451,6 @@
               </a:rPr>
               <a:t>Tree</a:t>
             </a:r>
-            <a:endParaRPr lang="en-US" sz="4800" spc="-50" dirty="0">
-              <a:solidFill>
-                <a:schemeClr val="tx1">
-                  <a:lumMod val="75000"/>
-                  <a:lumOff val="25000"/>
-                </a:schemeClr>
-              </a:solidFill>
-              <a:latin typeface="+mj-lt"/>
-              <a:ea typeface="+mj-ea"/>
-              <a:cs typeface="+mj-cs"/>
-            </a:endParaRPr>
           </a:p>
         </p:txBody>
       </p:sp>
@@ -5576,17 +5576,6 @@
               </a:rPr>
               <a:t>Tree</a:t>
             </a:r>
-            <a:endParaRPr lang="en-US" sz="4800" spc="-50" dirty="0">
-              <a:solidFill>
-                <a:schemeClr val="tx1">
-                  <a:lumMod val="75000"/>
-                  <a:lumOff val="25000"/>
-                </a:schemeClr>
-              </a:solidFill>
-              <a:latin typeface="+mj-lt"/>
-              <a:ea typeface="+mj-ea"/>
-              <a:cs typeface="+mj-cs"/>
-            </a:endParaRPr>
           </a:p>
         </p:txBody>
       </p:sp>
